--- a/src/math/Hakoniwa-time.pptx
+++ b/src/math/Hakoniwa-time.pptx
@@ -6,7 +6,7 @@
     <p:sldMasterId id="2147483815" r:id="rId2"/>
   </p:sldMasterIdLst>
   <p:notesMasterIdLst>
-    <p:notesMasterId r:id="rId18"/>
+    <p:notesMasterId r:id="rId19"/>
   </p:notesMasterIdLst>
   <p:sldIdLst>
     <p:sldId id="256" r:id="rId3"/>
@@ -20,10 +20,11 @@
     <p:sldId id="1349" r:id="rId11"/>
     <p:sldId id="1351" r:id="rId12"/>
     <p:sldId id="1357" r:id="rId13"/>
-    <p:sldId id="1355" r:id="rId14"/>
-    <p:sldId id="1350" r:id="rId15"/>
-    <p:sldId id="1358" r:id="rId16"/>
-    <p:sldId id="1356" r:id="rId17"/>
+    <p:sldId id="1359" r:id="rId14"/>
+    <p:sldId id="1355" r:id="rId15"/>
+    <p:sldId id="1350" r:id="rId16"/>
+    <p:sldId id="1358" r:id="rId17"/>
+    <p:sldId id="1356" r:id="rId18"/>
   </p:sldIdLst>
   <p:sldSz cx="12192000" cy="6858000"/>
   <p:notesSz cx="6797675" cy="9926638"/>
@@ -304,7 +305,7 @@
               <a:pPr>
                 <a:defRPr/>
               </a:pPr>
-              <a:t>2025/1/11</a:t>
+              <a:t>2026/2/25</a:t>
             </a:fld>
             <a:endParaRPr lang="ja-JP" altLang="en-US" dirty="0"/>
           </a:p>
@@ -989,7 +990,7 @@
           <a:p>
             <a:fld id="{1733E518-4B2E-46CC-A779-D7A67A1295D7}" type="datetimeFigureOut">
               <a:rPr kumimoji="1" lang="ja-JP" altLang="en-US" smtClean="0"/>
-              <a:t>2025/1/11</a:t>
+              <a:t>2026/2/25</a:t>
             </a:fld>
             <a:endParaRPr kumimoji="1" lang="ja-JP" altLang="en-US"/>
           </a:p>
@@ -1189,7 +1190,7 @@
           <a:p>
             <a:fld id="{1733E518-4B2E-46CC-A779-D7A67A1295D7}" type="datetimeFigureOut">
               <a:rPr kumimoji="1" lang="ja-JP" altLang="en-US" smtClean="0"/>
-              <a:t>2025/1/11</a:t>
+              <a:t>2026/2/25</a:t>
             </a:fld>
             <a:endParaRPr kumimoji="1" lang="ja-JP" altLang="en-US"/>
           </a:p>
@@ -1399,7 +1400,7 @@
           <a:p>
             <a:fld id="{1733E518-4B2E-46CC-A779-D7A67A1295D7}" type="datetimeFigureOut">
               <a:rPr kumimoji="1" lang="ja-JP" altLang="en-US" smtClean="0"/>
-              <a:t>2025/1/11</a:t>
+              <a:t>2026/2/25</a:t>
             </a:fld>
             <a:endParaRPr kumimoji="1" lang="ja-JP" altLang="en-US"/>
           </a:p>
@@ -3803,7 +3804,7 @@
           <a:p>
             <a:fld id="{1733E518-4B2E-46CC-A779-D7A67A1295D7}" type="datetimeFigureOut">
               <a:rPr kumimoji="1" lang="ja-JP" altLang="en-US" smtClean="0"/>
-              <a:t>2025/1/11</a:t>
+              <a:t>2026/2/25</a:t>
             </a:fld>
             <a:endParaRPr kumimoji="1" lang="ja-JP" altLang="en-US"/>
           </a:p>
@@ -5290,7 +5291,7 @@
           <a:p>
             <a:fld id="{1733E518-4B2E-46CC-A779-D7A67A1295D7}" type="datetimeFigureOut">
               <a:rPr kumimoji="1" lang="ja-JP" altLang="en-US" smtClean="0"/>
-              <a:t>2025/1/11</a:t>
+              <a:t>2026/2/25</a:t>
             </a:fld>
             <a:endParaRPr kumimoji="1" lang="ja-JP" altLang="en-US"/>
           </a:p>
@@ -5639,7 +5640,7 @@
           <a:p>
             <a:fld id="{1733E518-4B2E-46CC-A779-D7A67A1295D7}" type="datetimeFigureOut">
               <a:rPr kumimoji="1" lang="ja-JP" altLang="en-US" smtClean="0"/>
-              <a:t>2025/1/11</a:t>
+              <a:t>2026/2/25</a:t>
             </a:fld>
             <a:endParaRPr kumimoji="1" lang="ja-JP" altLang="en-US"/>
           </a:p>
@@ -6122,7 +6123,7 @@
           <a:p>
             <a:fld id="{1733E518-4B2E-46CC-A779-D7A67A1295D7}" type="datetimeFigureOut">
               <a:rPr kumimoji="1" lang="ja-JP" altLang="en-US" smtClean="0"/>
-              <a:t>2025/1/11</a:t>
+              <a:t>2026/2/25</a:t>
             </a:fld>
             <a:endParaRPr kumimoji="1" lang="ja-JP" altLang="en-US"/>
           </a:p>
@@ -6239,7 +6240,7 @@
           <a:p>
             <a:fld id="{1733E518-4B2E-46CC-A779-D7A67A1295D7}" type="datetimeFigureOut">
               <a:rPr kumimoji="1" lang="ja-JP" altLang="en-US" smtClean="0"/>
-              <a:t>2025/1/11</a:t>
+              <a:t>2026/2/25</a:t>
             </a:fld>
             <a:endParaRPr kumimoji="1" lang="ja-JP" altLang="en-US"/>
           </a:p>
@@ -6334,7 +6335,7 @@
           <a:p>
             <a:fld id="{1733E518-4B2E-46CC-A779-D7A67A1295D7}" type="datetimeFigureOut">
               <a:rPr kumimoji="1" lang="ja-JP" altLang="en-US" smtClean="0"/>
-              <a:t>2025/1/11</a:t>
+              <a:t>2026/2/25</a:t>
             </a:fld>
             <a:endParaRPr kumimoji="1" lang="ja-JP" altLang="en-US"/>
           </a:p>
@@ -6641,7 +6642,7 @@
           <a:p>
             <a:fld id="{1733E518-4B2E-46CC-A779-D7A67A1295D7}" type="datetimeFigureOut">
               <a:rPr kumimoji="1" lang="ja-JP" altLang="en-US" smtClean="0"/>
-              <a:t>2025/1/11</a:t>
+              <a:t>2026/2/25</a:t>
             </a:fld>
             <a:endParaRPr kumimoji="1" lang="ja-JP" altLang="en-US"/>
           </a:p>
@@ -6893,7 +6894,7 @@
           <a:p>
             <a:fld id="{1733E518-4B2E-46CC-A779-D7A67A1295D7}" type="datetimeFigureOut">
               <a:rPr kumimoji="1" lang="ja-JP" altLang="en-US" smtClean="0"/>
-              <a:t>2025/1/11</a:t>
+              <a:t>2026/2/25</a:t>
             </a:fld>
             <a:endParaRPr kumimoji="1" lang="ja-JP" altLang="en-US"/>
           </a:p>
@@ -7136,7 +7137,7 @@
           <a:p>
             <a:fld id="{1733E518-4B2E-46CC-A779-D7A67A1295D7}" type="datetimeFigureOut">
               <a:rPr kumimoji="1" lang="ja-JP" altLang="en-US" smtClean="0"/>
-              <a:t>2025/1/11</a:t>
+              <a:t>2026/2/25</a:t>
             </a:fld>
             <a:endParaRPr kumimoji="1" lang="ja-JP" altLang="en-US"/>
           </a:p>
@@ -9828,7 +9829,7 @@
         <p:cNvPr id="1" name="">
           <a:extLst>
             <a:ext uri="{FF2B5EF4-FFF2-40B4-BE49-F238E27FC236}">
-              <a16:creationId xmlns:a16="http://schemas.microsoft.com/office/drawing/2014/main" id="{62D211BF-07AC-2BFF-4623-A029B4A83F52}"/>
+              <a16:creationId xmlns:a16="http://schemas.microsoft.com/office/drawing/2014/main" id="{3D159686-AD81-966B-7EC8-7F8AD57A2C78}"/>
             </a:ext>
           </a:extLst>
         </p:cNvPr>
@@ -9845,38 +9846,10 @@
       </p:grpSpPr>
       <p:sp>
         <p:nvSpPr>
-          <p:cNvPr id="60" name="タイトル 59">
-            <a:extLst>
-              <a:ext uri="{FF2B5EF4-FFF2-40B4-BE49-F238E27FC236}">
-                <a16:creationId xmlns:a16="http://schemas.microsoft.com/office/drawing/2014/main" id="{7AFEF29C-9A83-FE88-D0DB-40984ACBBBCC}"/>
-              </a:ext>
-            </a:extLst>
-          </p:cNvPr>
-          <p:cNvSpPr>
-            <a:spLocks noGrp="1"/>
-          </p:cNvSpPr>
-          <p:nvPr>
-            <p:ph type="title"/>
-          </p:nvPr>
-        </p:nvSpPr>
-        <p:spPr/>
-        <p:txBody>
-          <a:bodyPr/>
-          <a:lstStyle/>
-          <a:p>
-            <a:r>
-              <a:rPr lang="ja-JP" altLang="en-US"/>
-              <a:t>シミュレーション時刻の分布</a:t>
-            </a:r>
-          </a:p>
-        </p:txBody>
-      </p:sp>
-      <p:sp>
-        <p:nvSpPr>
           <p:cNvPr id="2" name="スライド番号プレースホルダー 1">
             <a:extLst>
               <a:ext uri="{FF2B5EF4-FFF2-40B4-BE49-F238E27FC236}">
-                <a16:creationId xmlns:a16="http://schemas.microsoft.com/office/drawing/2014/main" id="{CF7777A7-B57D-B5E3-A768-BA17461A533A}"/>
+                <a16:creationId xmlns:a16="http://schemas.microsoft.com/office/drawing/2014/main" id="{D18CDA9F-401B-4901-C7B9-826758C2BA2A}"/>
               </a:ext>
             </a:extLst>
           </p:cNvPr>
@@ -9911,7 +9884,7 @@
           <p:cNvPr id="63" name="グループ化 62">
             <a:extLst>
               <a:ext uri="{FF2B5EF4-FFF2-40B4-BE49-F238E27FC236}">
-                <a16:creationId xmlns:a16="http://schemas.microsoft.com/office/drawing/2014/main" id="{125350E5-7815-E5B4-EB5F-C27B484622BA}"/>
+                <a16:creationId xmlns:a16="http://schemas.microsoft.com/office/drawing/2014/main" id="{C3513E70-DB04-2123-DE5F-D52FD34B75D9}"/>
               </a:ext>
             </a:extLst>
           </p:cNvPr>
@@ -9931,7 +9904,7 @@
             <p:cNvPr id="17" name="グループ化 16">
               <a:extLst>
                 <a:ext uri="{FF2B5EF4-FFF2-40B4-BE49-F238E27FC236}">
-                  <a16:creationId xmlns:a16="http://schemas.microsoft.com/office/drawing/2014/main" id="{10D1E3BD-0E20-A8DA-322D-55678BCE9A9E}"/>
+                  <a16:creationId xmlns:a16="http://schemas.microsoft.com/office/drawing/2014/main" id="{A2ED5A63-3617-CA43-BE11-B96F69279546}"/>
                 </a:ext>
               </a:extLst>
             </p:cNvPr>
@@ -9951,7 +9924,7 @@
               <p:cNvPr id="64" name="正方形/長方形 63">
                 <a:extLst>
                   <a:ext uri="{FF2B5EF4-FFF2-40B4-BE49-F238E27FC236}">
-                    <a16:creationId xmlns:a16="http://schemas.microsoft.com/office/drawing/2014/main" id="{3F8E8A93-3F33-EF25-0A6E-039462A788C0}"/>
+                    <a16:creationId xmlns:a16="http://schemas.microsoft.com/office/drawing/2014/main" id="{983E4698-9EA1-54B4-84A5-63D7FA8C8968}"/>
                   </a:ext>
                 </a:extLst>
               </p:cNvPr>
@@ -10006,7 +9979,7 @@
               <p:cNvPr id="116" name="正方形/長方形 115">
                 <a:extLst>
                   <a:ext uri="{FF2B5EF4-FFF2-40B4-BE49-F238E27FC236}">
-                    <a16:creationId xmlns:a16="http://schemas.microsoft.com/office/drawing/2014/main" id="{F95A3242-B2A4-D139-D830-BAB05E39FE7D}"/>
+                    <a16:creationId xmlns:a16="http://schemas.microsoft.com/office/drawing/2014/main" id="{F8CA70D9-0DB3-9B83-252D-A780F3526DA9}"/>
                   </a:ext>
                 </a:extLst>
               </p:cNvPr>
@@ -10061,7 +10034,7 @@
               <p:cNvPr id="88" name="直線矢印コネクタ 87">
                 <a:extLst>
                   <a:ext uri="{FF2B5EF4-FFF2-40B4-BE49-F238E27FC236}">
-                    <a16:creationId xmlns:a16="http://schemas.microsoft.com/office/drawing/2014/main" id="{ABE94D25-B188-BEA1-50BB-2B6D1C45FF1F}"/>
+                    <a16:creationId xmlns:a16="http://schemas.microsoft.com/office/drawing/2014/main" id="{124ED388-FC75-5626-017E-06969242354B}"/>
                   </a:ext>
                 </a:extLst>
               </p:cNvPr>
@@ -10107,7 +10080,7 @@
               <p:cNvPr id="89" name="テキスト ボックス 88">
                 <a:extLst>
                   <a:ext uri="{FF2B5EF4-FFF2-40B4-BE49-F238E27FC236}">
-                    <a16:creationId xmlns:a16="http://schemas.microsoft.com/office/drawing/2014/main" id="{681A63F8-49A0-7786-94B4-77C8395A6761}"/>
+                    <a16:creationId xmlns:a16="http://schemas.microsoft.com/office/drawing/2014/main" id="{FCE40E62-0F65-E7D9-9F7F-679AE952CABF}"/>
                   </a:ext>
                 </a:extLst>
               </p:cNvPr>
@@ -10156,7 +10129,7 @@
               <p:cNvPr id="90" name="円/楕円 89">
                 <a:extLst>
                   <a:ext uri="{FF2B5EF4-FFF2-40B4-BE49-F238E27FC236}">
-                    <a16:creationId xmlns:a16="http://schemas.microsoft.com/office/drawing/2014/main" id="{A27ED4FF-7CF0-F709-F4F7-B28A00D0694B}"/>
+                    <a16:creationId xmlns:a16="http://schemas.microsoft.com/office/drawing/2014/main" id="{10C71894-5826-4FCE-0D63-815AC7291E0F}"/>
                   </a:ext>
                 </a:extLst>
               </p:cNvPr>
@@ -10166,7 +10139,7 @@
             <p:spPr>
               <a:xfrm>
                 <a:off x="4119764" y="2730001"/>
-                <a:ext cx="144017" cy="144016"/>
+                <a:ext cx="162383" cy="140070"/>
               </a:xfrm>
               <a:prstGeom prst="ellipse">
                 <a:avLst/>
@@ -10208,7 +10181,7 @@
               <p:cNvPr id="91" name="円/楕円 90">
                 <a:extLst>
                   <a:ext uri="{FF2B5EF4-FFF2-40B4-BE49-F238E27FC236}">
-                    <a16:creationId xmlns:a16="http://schemas.microsoft.com/office/drawing/2014/main" id="{827A6BB7-8653-C156-AAF2-81B8B27F68E3}"/>
+                    <a16:creationId xmlns:a16="http://schemas.microsoft.com/office/drawing/2014/main" id="{681BE329-E4AB-6C69-D59C-860060AA7795}"/>
                   </a:ext>
                 </a:extLst>
               </p:cNvPr>
@@ -10218,7 +10191,7 @@
             <p:spPr>
               <a:xfrm>
                 <a:off x="4463162" y="2984794"/>
-                <a:ext cx="144017" cy="144016"/>
+                <a:ext cx="162383" cy="140070"/>
               </a:xfrm>
               <a:prstGeom prst="ellipse">
                 <a:avLst/>
@@ -10260,7 +10233,7 @@
               <p:cNvPr id="92" name="円/楕円 91">
                 <a:extLst>
                   <a:ext uri="{FF2B5EF4-FFF2-40B4-BE49-F238E27FC236}">
-                    <a16:creationId xmlns:a16="http://schemas.microsoft.com/office/drawing/2014/main" id="{EAA408B0-E5AA-81EE-A21A-3C7F6D09F9F9}"/>
+                    <a16:creationId xmlns:a16="http://schemas.microsoft.com/office/drawing/2014/main" id="{0791CFD6-7037-D05F-E716-8492D82BF973}"/>
                   </a:ext>
                 </a:extLst>
               </p:cNvPr>
@@ -10270,7 +10243,7 @@
             <p:spPr>
               <a:xfrm>
                 <a:off x="3917681" y="3257453"/>
-                <a:ext cx="144017" cy="144016"/>
+                <a:ext cx="162383" cy="140070"/>
               </a:xfrm>
               <a:prstGeom prst="ellipse">
                 <a:avLst/>
@@ -10312,7 +10285,7 @@
               <p:cNvPr id="93" name="円/楕円 92">
                 <a:extLst>
                   <a:ext uri="{FF2B5EF4-FFF2-40B4-BE49-F238E27FC236}">
-                    <a16:creationId xmlns:a16="http://schemas.microsoft.com/office/drawing/2014/main" id="{F91622EC-01B8-C886-F364-F66966F5F3B4}"/>
+                    <a16:creationId xmlns:a16="http://schemas.microsoft.com/office/drawing/2014/main" id="{3A4B980E-8AEF-FDD3-BA9B-84CAE5DE7680}"/>
                   </a:ext>
                 </a:extLst>
               </p:cNvPr>
@@ -10322,7 +10295,7 @@
             <p:spPr>
               <a:xfrm>
                 <a:off x="4191772" y="3851380"/>
-                <a:ext cx="144017" cy="144016"/>
+                <a:ext cx="162383" cy="140070"/>
               </a:xfrm>
               <a:prstGeom prst="ellipse">
                 <a:avLst/>
@@ -10364,7 +10337,7 @@
               <p:cNvPr id="94" name="円/楕円 93">
                 <a:extLst>
                   <a:ext uri="{FF2B5EF4-FFF2-40B4-BE49-F238E27FC236}">
-                    <a16:creationId xmlns:a16="http://schemas.microsoft.com/office/drawing/2014/main" id="{0AEF87C7-E5ED-61F7-D228-96D43AEEE142}"/>
+                    <a16:creationId xmlns:a16="http://schemas.microsoft.com/office/drawing/2014/main" id="{2BF00D0F-C6B8-0EB8-72D7-70558123C257}"/>
                   </a:ext>
                 </a:extLst>
               </p:cNvPr>
@@ -10374,7 +10347,7 @@
             <p:spPr>
               <a:xfrm>
                 <a:off x="4799855" y="4135615"/>
-                <a:ext cx="144017" cy="144016"/>
+                <a:ext cx="162383" cy="140070"/>
               </a:xfrm>
               <a:prstGeom prst="ellipse">
                 <a:avLst/>
@@ -10416,7 +10389,7 @@
               <p:cNvPr id="95" name="円/楕円 94">
                 <a:extLst>
                   <a:ext uri="{FF2B5EF4-FFF2-40B4-BE49-F238E27FC236}">
-                    <a16:creationId xmlns:a16="http://schemas.microsoft.com/office/drawing/2014/main" id="{CD28278B-7AC7-CF1B-2A2B-4C005EBED749}"/>
+                    <a16:creationId xmlns:a16="http://schemas.microsoft.com/office/drawing/2014/main" id="{48FE11FE-C155-F958-5FCF-51753DE12A18}"/>
                   </a:ext>
                 </a:extLst>
               </p:cNvPr>
@@ -10426,7 +10399,7 @@
             <p:spPr>
               <a:xfrm>
                 <a:off x="5104533" y="3555900"/>
-                <a:ext cx="144017" cy="144016"/>
+                <a:ext cx="162383" cy="140070"/>
               </a:xfrm>
               <a:prstGeom prst="ellipse">
                 <a:avLst/>
@@ -10468,7 +10441,7 @@
               <p:cNvPr id="96" name="テキスト ボックス 95">
                 <a:extLst>
                   <a:ext uri="{FF2B5EF4-FFF2-40B4-BE49-F238E27FC236}">
-                    <a16:creationId xmlns:a16="http://schemas.microsoft.com/office/drawing/2014/main" id="{ED8E9997-0A82-4D46-5454-A354C49B1C8D}"/>
+                    <a16:creationId xmlns:a16="http://schemas.microsoft.com/office/drawing/2014/main" id="{0E1CECBF-DA51-5B55-7473-62386E3B01C3}"/>
                   </a:ext>
                 </a:extLst>
               </p:cNvPr>
@@ -10477,7 +10450,7 @@
             </p:nvSpPr>
             <p:spPr>
               <a:xfrm>
-                <a:off x="5133752" y="3347700"/>
+                <a:off x="5203893" y="3347700"/>
                 <a:ext cx="375281" cy="343311"/>
               </a:xfrm>
               <a:prstGeom prst="rect">
@@ -10517,7 +10490,7 @@
               <p:cNvPr id="97" name="テキスト ボックス 96">
                 <a:extLst>
                   <a:ext uri="{FF2B5EF4-FFF2-40B4-BE49-F238E27FC236}">
-                    <a16:creationId xmlns:a16="http://schemas.microsoft.com/office/drawing/2014/main" id="{86187B39-C9EE-8541-8BF6-BB20CA5A91EA}"/>
+                    <a16:creationId xmlns:a16="http://schemas.microsoft.com/office/drawing/2014/main" id="{9ECD0B51-DC93-9C17-53B7-66C59E0FC187}"/>
                   </a:ext>
                 </a:extLst>
               </p:cNvPr>
@@ -10566,7 +10539,7 @@
               <p:cNvPr id="98" name="テキスト ボックス 97">
                 <a:extLst>
                   <a:ext uri="{FF2B5EF4-FFF2-40B4-BE49-F238E27FC236}">
-                    <a16:creationId xmlns:a16="http://schemas.microsoft.com/office/drawing/2014/main" id="{8F873064-E17E-88BB-46BE-BA75BA5000C5}"/>
+                    <a16:creationId xmlns:a16="http://schemas.microsoft.com/office/drawing/2014/main" id="{E7AED5FC-51E8-3118-6D23-568FD3B889ED}"/>
                   </a:ext>
                 </a:extLst>
               </p:cNvPr>
@@ -10575,7 +10548,7 @@
             </p:nvSpPr>
             <p:spPr>
               <a:xfrm>
-                <a:off x="4535170" y="2858562"/>
+                <a:off x="4574373" y="2858562"/>
                 <a:ext cx="409332" cy="343311"/>
               </a:xfrm>
               <a:prstGeom prst="rect">
@@ -10615,7 +10588,7 @@
               <p:cNvPr id="99" name="テキスト ボックス 98">
                 <a:extLst>
                   <a:ext uri="{FF2B5EF4-FFF2-40B4-BE49-F238E27FC236}">
-                    <a16:creationId xmlns:a16="http://schemas.microsoft.com/office/drawing/2014/main" id="{CC368E00-D15E-AA7E-8ABB-D7C7997EA1FB}"/>
+                    <a16:creationId xmlns:a16="http://schemas.microsoft.com/office/drawing/2014/main" id="{91421679-22FC-A08C-AFC9-A4A26984AE76}"/>
                   </a:ext>
                 </a:extLst>
               </p:cNvPr>
@@ -10624,7 +10597,7 @@
             </p:nvSpPr>
             <p:spPr>
               <a:xfrm>
-                <a:off x="3965134" y="3161363"/>
+                <a:off x="4009299" y="3161363"/>
                 <a:ext cx="409332" cy="343311"/>
               </a:xfrm>
               <a:prstGeom prst="rect">
@@ -10664,7 +10637,7 @@
               <p:cNvPr id="100" name="テキスト ボックス 99">
                 <a:extLst>
                   <a:ext uri="{FF2B5EF4-FFF2-40B4-BE49-F238E27FC236}">
-                    <a16:creationId xmlns:a16="http://schemas.microsoft.com/office/drawing/2014/main" id="{72846EF9-930E-3395-1FE1-50AB92EB8E5D}"/>
+                    <a16:creationId xmlns:a16="http://schemas.microsoft.com/office/drawing/2014/main" id="{02C74CC3-0372-5613-B500-CF9E85558D4A}"/>
                   </a:ext>
                 </a:extLst>
               </p:cNvPr>
@@ -10673,8 +10646,8 @@
             </p:nvSpPr>
             <p:spPr>
               <a:xfrm>
-                <a:off x="4867574" y="4005064"/>
-                <a:ext cx="365384" cy="299378"/>
+                <a:off x="4888989" y="4005064"/>
+                <a:ext cx="365384" cy="298817"/>
               </a:xfrm>
               <a:prstGeom prst="rect">
                 <a:avLst/>
@@ -10713,7 +10686,7 @@
               <p:cNvPr id="101" name="テキスト ボックス 100">
                 <a:extLst>
                   <a:ext uri="{FF2B5EF4-FFF2-40B4-BE49-F238E27FC236}">
-                    <a16:creationId xmlns:a16="http://schemas.microsoft.com/office/drawing/2014/main" id="{21CC8753-0E03-C301-33F1-B158EBEFA5DB}"/>
+                    <a16:creationId xmlns:a16="http://schemas.microsoft.com/office/drawing/2014/main" id="{2220A5F3-E551-C670-DD37-98F118ED9D75}"/>
                   </a:ext>
                 </a:extLst>
               </p:cNvPr>
@@ -10755,7 +10728,7 @@
               <p:cNvPr id="104" name="グループ化 103">
                 <a:extLst>
                   <a:ext uri="{FF2B5EF4-FFF2-40B4-BE49-F238E27FC236}">
-                    <a16:creationId xmlns:a16="http://schemas.microsoft.com/office/drawing/2014/main" id="{73EECE32-35A9-C52F-C640-AAC59A0F5295}"/>
+                    <a16:creationId xmlns:a16="http://schemas.microsoft.com/office/drawing/2014/main" id="{0D5BD09E-9A26-D00F-2BF7-FD668130A8D3}"/>
                   </a:ext>
                 </a:extLst>
               </p:cNvPr>
@@ -10775,7 +10748,7 @@
                 <p:cNvPr id="105" name="直線矢印コネクタ 104">
                   <a:extLst>
                     <a:ext uri="{FF2B5EF4-FFF2-40B4-BE49-F238E27FC236}">
-                      <a16:creationId xmlns:a16="http://schemas.microsoft.com/office/drawing/2014/main" id="{9A414986-5F56-54A8-B70E-746065597CC4}"/>
+                      <a16:creationId xmlns:a16="http://schemas.microsoft.com/office/drawing/2014/main" id="{A0A52E11-032B-78F5-2321-6F2C877F0729}"/>
                     </a:ext>
                   </a:extLst>
                 </p:cNvPr>
@@ -10822,7 +10795,7 @@
                 <p:cNvPr id="106" name="テキスト ボックス 105">
                   <a:extLst>
                     <a:ext uri="{FF2B5EF4-FFF2-40B4-BE49-F238E27FC236}">
-                      <a16:creationId xmlns:a16="http://schemas.microsoft.com/office/drawing/2014/main" id="{9C468B10-C17D-CBF0-9010-965D62903683}"/>
+                      <a16:creationId xmlns:a16="http://schemas.microsoft.com/office/drawing/2014/main" id="{E0558501-ADCD-9638-12CB-17B7B6C5F875}"/>
                     </a:ext>
                   </a:extLst>
                 </p:cNvPr>
@@ -10871,7 +10844,7 @@
                 <p:cNvPr id="107" name="直線矢印コネクタ 106">
                   <a:extLst>
                     <a:ext uri="{FF2B5EF4-FFF2-40B4-BE49-F238E27FC236}">
-                      <a16:creationId xmlns:a16="http://schemas.microsoft.com/office/drawing/2014/main" id="{DC31C143-9D3F-5F69-20EC-6796F9698F3E}"/>
+                      <a16:creationId xmlns:a16="http://schemas.microsoft.com/office/drawing/2014/main" id="{2399995A-8FE4-C42D-0CCE-5BBE12982438}"/>
                     </a:ext>
                   </a:extLst>
                 </p:cNvPr>
@@ -10919,7 +10892,7 @@
                 <p:cNvPr id="110" name="直線矢印コネクタ 109">
                   <a:extLst>
                     <a:ext uri="{FF2B5EF4-FFF2-40B4-BE49-F238E27FC236}">
-                      <a16:creationId xmlns:a16="http://schemas.microsoft.com/office/drawing/2014/main" id="{D99ADE30-4EF4-3794-D00C-C14E491C62E8}"/>
+                      <a16:creationId xmlns:a16="http://schemas.microsoft.com/office/drawing/2014/main" id="{6FBB127D-B7D6-757D-3A42-1CCAB8702451}"/>
                     </a:ext>
                   </a:extLst>
                 </p:cNvPr>
@@ -10967,20 +10940,20 @@
                 <p:cNvPr id="111" name="直線矢印コネクタ 110">
                   <a:extLst>
                     <a:ext uri="{FF2B5EF4-FFF2-40B4-BE49-F238E27FC236}">
-                      <a16:creationId xmlns:a16="http://schemas.microsoft.com/office/drawing/2014/main" id="{F1A130E4-51DE-E808-2163-67C8204B33FB}"/>
+                      <a16:creationId xmlns:a16="http://schemas.microsoft.com/office/drawing/2014/main" id="{F8D503F7-6D50-0A94-E2E1-7215F8C4ED9A}"/>
                     </a:ext>
                   </a:extLst>
                 </p:cNvPr>
                 <p:cNvCxnSpPr>
                   <a:cxnSpLocks/>
-                  <a:stCxn id="100" idx="1"/>
+                  <a:endCxn id="113" idx="0"/>
                 </p:cNvCxnSpPr>
                 <p:nvPr/>
               </p:nvCxnSpPr>
               <p:spPr>
-                <a:xfrm flipH="1">
-                  <a:off x="4240930" y="3208648"/>
-                  <a:ext cx="0" cy="609737"/>
+                <a:xfrm>
+                  <a:off x="4255564" y="3329580"/>
+                  <a:ext cx="4009" cy="449026"/>
                 </a:xfrm>
                 <a:prstGeom prst="straightConnector1">
                   <a:avLst/>
@@ -11016,7 +10989,7 @@
                 <p:cNvPr id="112" name="テキスト ボックス 111">
                   <a:extLst>
                     <a:ext uri="{FF2B5EF4-FFF2-40B4-BE49-F238E27FC236}">
-                      <a16:creationId xmlns:a16="http://schemas.microsoft.com/office/drawing/2014/main" id="{650CFB9B-6725-E96A-1B20-CED943A9B8E2}"/>
+                      <a16:creationId xmlns:a16="http://schemas.microsoft.com/office/drawing/2014/main" id="{2C5F37AD-AB7F-6ED2-E4F9-F978514476A6}"/>
                     </a:ext>
                   </a:extLst>
                 </p:cNvPr>
@@ -11072,7 +11045,7 @@
                 <p:cNvPr id="113" name="テキスト ボックス 112">
                   <a:extLst>
                     <a:ext uri="{FF2B5EF4-FFF2-40B4-BE49-F238E27FC236}">
-                      <a16:creationId xmlns:a16="http://schemas.microsoft.com/office/drawing/2014/main" id="{A847B14F-7506-8B3A-2593-CDDEE42AC124}"/>
+                      <a16:creationId xmlns:a16="http://schemas.microsoft.com/office/drawing/2014/main" id="{F7982FD8-A25C-5445-B7D0-5E4032A57CC9}"/>
                     </a:ext>
                   </a:extLst>
                 </p:cNvPr>
@@ -11129,7 +11102,7 @@
               <p:cNvPr id="117" name="テキスト ボックス 116">
                 <a:extLst>
                   <a:ext uri="{FF2B5EF4-FFF2-40B4-BE49-F238E27FC236}">
-                    <a16:creationId xmlns:a16="http://schemas.microsoft.com/office/drawing/2014/main" id="{F9D26635-DA0C-6721-7DF6-15B0C98D979B}"/>
+                    <a16:creationId xmlns:a16="http://schemas.microsoft.com/office/drawing/2014/main" id="{D3B8AF01-94C7-2191-362A-0FE33895D3A2}"/>
                   </a:ext>
                 </a:extLst>
               </p:cNvPr>
@@ -11249,7 +11222,7 @@
               <p:cNvPr id="119" name="テキスト ボックス 118">
                 <a:extLst>
                   <a:ext uri="{FF2B5EF4-FFF2-40B4-BE49-F238E27FC236}">
-                    <a16:creationId xmlns:a16="http://schemas.microsoft.com/office/drawing/2014/main" id="{3F895BB9-3DA8-EF3C-7DB4-1029B733C684}"/>
+                    <a16:creationId xmlns:a16="http://schemas.microsoft.com/office/drawing/2014/main" id="{E8D56361-6F63-03C4-E0BA-DA80F05995B7}"/>
                   </a:ext>
                 </a:extLst>
               </p:cNvPr>
@@ -11309,7 +11282,7 @@
               <p:cNvPr id="121" name="直線コネクタ 120">
                 <a:extLst>
                   <a:ext uri="{FF2B5EF4-FFF2-40B4-BE49-F238E27FC236}">
-                    <a16:creationId xmlns:a16="http://schemas.microsoft.com/office/drawing/2014/main" id="{9B09AA4C-073A-1336-23DC-D1DC7470536C}"/>
+                    <a16:creationId xmlns:a16="http://schemas.microsoft.com/office/drawing/2014/main" id="{1B7BB6BC-2437-12D3-D78C-8BA6E5978FC3}"/>
                   </a:ext>
                 </a:extLst>
               </p:cNvPr>
@@ -11349,7 +11322,7 @@
               <p:cNvPr id="124" name="直線コネクタ 123">
                 <a:extLst>
                   <a:ext uri="{FF2B5EF4-FFF2-40B4-BE49-F238E27FC236}">
-                    <a16:creationId xmlns:a16="http://schemas.microsoft.com/office/drawing/2014/main" id="{DC1CC810-F352-75A3-675D-BF6E2953B320}"/>
+                    <a16:creationId xmlns:a16="http://schemas.microsoft.com/office/drawing/2014/main" id="{CF98A979-C589-DD57-F9CD-EAF98CE5B488}"/>
                   </a:ext>
                 </a:extLst>
               </p:cNvPr>
@@ -11396,7 +11369,7 @@
               <p:cNvPr id="3" name="テキスト ボックス 2">
                 <a:extLst>
                   <a:ext uri="{FF2B5EF4-FFF2-40B4-BE49-F238E27FC236}">
-                    <a16:creationId xmlns:a16="http://schemas.microsoft.com/office/drawing/2014/main" id="{05F49CE8-57E7-FB91-5430-E1EB2FD10F54}"/>
+                    <a16:creationId xmlns:a16="http://schemas.microsoft.com/office/drawing/2014/main" id="{17B0A3C6-FB2C-27E8-B1D5-69CBFC24255B}"/>
                   </a:ext>
                 </a:extLst>
               </p:cNvPr>
@@ -11512,7 +11485,7 @@
               <p:cNvPr id="12" name="テキスト ボックス 11">
                 <a:extLst>
                   <a:ext uri="{FF2B5EF4-FFF2-40B4-BE49-F238E27FC236}">
-                    <a16:creationId xmlns:a16="http://schemas.microsoft.com/office/drawing/2014/main" id="{BE9A4085-31C1-3598-440A-1048BB787375}"/>
+                    <a16:creationId xmlns:a16="http://schemas.microsoft.com/office/drawing/2014/main" id="{17C669C1-E1A2-12EB-86C7-F07B4C151612}"/>
                   </a:ext>
                 </a:extLst>
               </p:cNvPr>
@@ -11583,7 +11556,7 @@
               <p:cNvPr id="67" name="直線コネクタ 66">
                 <a:extLst>
                   <a:ext uri="{FF2B5EF4-FFF2-40B4-BE49-F238E27FC236}">
-                    <a16:creationId xmlns:a16="http://schemas.microsoft.com/office/drawing/2014/main" id="{C3258F6C-6025-038D-76AE-6A007AD8F015}"/>
+                    <a16:creationId xmlns:a16="http://schemas.microsoft.com/office/drawing/2014/main" id="{B6F84D69-99AB-E875-E9F3-849E3FDEC3E2}"/>
                   </a:ext>
                 </a:extLst>
               </p:cNvPr>
@@ -11629,7 +11602,7 @@
               <p:cNvPr id="10" name="テキスト ボックス 9">
                 <a:extLst>
                   <a:ext uri="{FF2B5EF4-FFF2-40B4-BE49-F238E27FC236}">
-                    <a16:creationId xmlns:a16="http://schemas.microsoft.com/office/drawing/2014/main" id="{DBCDD710-0375-2E7C-B95E-FB76CD27B138}"/>
+                    <a16:creationId xmlns:a16="http://schemas.microsoft.com/office/drawing/2014/main" id="{A153CB34-0CDC-A935-D924-32A80B383ED4}"/>
                   </a:ext>
                 </a:extLst>
               </p:cNvPr>
@@ -11676,7 +11649,7 @@
             <p:cNvPr id="24" name="直線コネクタ 23">
               <a:extLst>
                 <a:ext uri="{FF2B5EF4-FFF2-40B4-BE49-F238E27FC236}">
-                  <a16:creationId xmlns:a16="http://schemas.microsoft.com/office/drawing/2014/main" id="{35C7748C-F873-F229-338E-6538D236317B}"/>
+                  <a16:creationId xmlns:a16="http://schemas.microsoft.com/office/drawing/2014/main" id="{5C569CEF-1F2C-B263-9EA6-308122D67482}"/>
                 </a:ext>
               </a:extLst>
             </p:cNvPr>
@@ -11687,9 +11660,9 @@
             <p:nvPr/>
           </p:nvCxnSpPr>
           <p:spPr>
-            <a:xfrm>
-              <a:off x="3359696" y="2730001"/>
-              <a:ext cx="760068" cy="0"/>
+            <a:xfrm flipV="1">
+              <a:off x="3359696" y="2728028"/>
+              <a:ext cx="760067" cy="1973"/>
             </a:xfrm>
             <a:prstGeom prst="line">
               <a:avLst/>
@@ -11721,7 +11694,7 @@
             <p:cNvPr id="34" name="直線コネクタ 33">
               <a:extLst>
                 <a:ext uri="{FF2B5EF4-FFF2-40B4-BE49-F238E27FC236}">
-                  <a16:creationId xmlns:a16="http://schemas.microsoft.com/office/drawing/2014/main" id="{FF8DD67D-9183-1841-031C-41EE571AA947}"/>
+                  <a16:creationId xmlns:a16="http://schemas.microsoft.com/office/drawing/2014/main" id="{2DB9857C-EDF5-73D5-0948-6D0D47D5E14C}"/>
                 </a:ext>
               </a:extLst>
             </p:cNvPr>
@@ -11732,9 +11705,9 @@
             <p:nvPr/>
           </p:nvCxnSpPr>
           <p:spPr>
-            <a:xfrm>
-              <a:off x="3359696" y="2984794"/>
-              <a:ext cx="1103466" cy="0"/>
+            <a:xfrm flipV="1">
+              <a:off x="3359696" y="2982821"/>
+              <a:ext cx="1103466" cy="1973"/>
             </a:xfrm>
             <a:prstGeom prst="line">
               <a:avLst/>
@@ -11766,7 +11739,7 @@
             <p:cNvPr id="38" name="直線コネクタ 37">
               <a:extLst>
                 <a:ext uri="{FF2B5EF4-FFF2-40B4-BE49-F238E27FC236}">
-                  <a16:creationId xmlns:a16="http://schemas.microsoft.com/office/drawing/2014/main" id="{1AC59913-A612-5909-2B52-97EEB5F2AED5}"/>
+                  <a16:creationId xmlns:a16="http://schemas.microsoft.com/office/drawing/2014/main" id="{87772C24-97C7-92C7-FC53-214895D084B9}"/>
                 </a:ext>
               </a:extLst>
             </p:cNvPr>
@@ -11779,7 +11752,7 @@
           <p:spPr>
             <a:xfrm>
               <a:off x="3365948" y="3254211"/>
-              <a:ext cx="551733" cy="3242"/>
+              <a:ext cx="551733" cy="1269"/>
             </a:xfrm>
             <a:prstGeom prst="line">
               <a:avLst/>
@@ -11811,7 +11784,7 @@
             <p:cNvPr id="46" name="直線コネクタ 45">
               <a:extLst>
                 <a:ext uri="{FF2B5EF4-FFF2-40B4-BE49-F238E27FC236}">
-                  <a16:creationId xmlns:a16="http://schemas.microsoft.com/office/drawing/2014/main" id="{D2C8FF77-F488-9190-815D-91C26D7973CC}"/>
+                  <a16:creationId xmlns:a16="http://schemas.microsoft.com/office/drawing/2014/main" id="{FADA45A6-C6A0-737C-4403-B68386687EEE}"/>
                 </a:ext>
               </a:extLst>
             </p:cNvPr>
@@ -11824,7 +11797,7 @@
           <p:spPr>
             <a:xfrm>
               <a:off x="3359696" y="3545485"/>
-              <a:ext cx="1744837" cy="10415"/>
+              <a:ext cx="1744837" cy="8442"/>
             </a:xfrm>
             <a:prstGeom prst="line">
               <a:avLst/>
@@ -11856,7 +11829,7 @@
             <p:cNvPr id="52" name="直線コネクタ 51">
               <a:extLst>
                 <a:ext uri="{FF2B5EF4-FFF2-40B4-BE49-F238E27FC236}">
-                  <a16:creationId xmlns:a16="http://schemas.microsoft.com/office/drawing/2014/main" id="{75F9ED71-5A26-85DE-1D9F-00BDD8839F94}"/>
+                  <a16:creationId xmlns:a16="http://schemas.microsoft.com/office/drawing/2014/main" id="{892BB163-2F80-E622-AFD0-FD79FBAD05D7}"/>
                 </a:ext>
               </a:extLst>
             </p:cNvPr>
@@ -11869,7 +11842,7 @@
           <p:spPr>
             <a:xfrm>
               <a:off x="3359696" y="3843932"/>
-              <a:ext cx="832076" cy="7448"/>
+              <a:ext cx="832076" cy="5475"/>
             </a:xfrm>
             <a:prstGeom prst="line">
               <a:avLst/>
@@ -11901,7 +11874,7 @@
             <p:cNvPr id="55" name="直線コネクタ 54">
               <a:extLst>
                 <a:ext uri="{FF2B5EF4-FFF2-40B4-BE49-F238E27FC236}">
-                  <a16:creationId xmlns:a16="http://schemas.microsoft.com/office/drawing/2014/main" id="{6890C317-3258-8B23-856E-49724F8A8D68}"/>
+                  <a16:creationId xmlns:a16="http://schemas.microsoft.com/office/drawing/2014/main" id="{8387E232-D10F-104A-1199-81F19F7B5D5E}"/>
                 </a:ext>
               </a:extLst>
             </p:cNvPr>
@@ -11914,7 +11887,7 @@
           <p:spPr>
             <a:xfrm>
               <a:off x="3359696" y="4127999"/>
-              <a:ext cx="1440159" cy="7616"/>
+              <a:ext cx="1440158" cy="5643"/>
             </a:xfrm>
             <a:prstGeom prst="line">
               <a:avLst/>
@@ -11942,6 +11915,3041 @@
           </p:style>
         </p:cxnSp>
       </p:grpSp>
+      <p:sp>
+        <p:nvSpPr>
+          <p:cNvPr id="8" name="タイトル 7">
+            <a:extLst>
+              <a:ext uri="{FF2B5EF4-FFF2-40B4-BE49-F238E27FC236}">
+                <a16:creationId xmlns:a16="http://schemas.microsoft.com/office/drawing/2014/main" id="{F4680A9F-03B4-9710-8DE4-CA2C886A829F}"/>
+              </a:ext>
+            </a:extLst>
+          </p:cNvPr>
+          <p:cNvSpPr>
+            <a:spLocks noGrp="1"/>
+          </p:cNvSpPr>
+          <p:nvPr>
+            <p:ph type="title"/>
+          </p:nvPr>
+        </p:nvSpPr>
+        <p:spPr/>
+        <p:txBody>
+          <a:bodyPr/>
+          <a:lstStyle/>
+          <a:p>
+            <a:r>
+              <a:rPr lang="ja-JP" altLang="en-US"/>
+              <a:t>シミュレーション時刻の分布</a:t>
+            </a:r>
+          </a:p>
+        </p:txBody>
+      </p:sp>
+    </p:spTree>
+    <p:extLst>
+      <p:ext uri="{BB962C8B-B14F-4D97-AF65-F5344CB8AC3E}">
+        <p14:creationId xmlns:p14="http://schemas.microsoft.com/office/powerpoint/2010/main" val="393774656"/>
+      </p:ext>
+    </p:extLst>
+  </p:cSld>
+  <p:clrMapOvr>
+    <a:masterClrMapping/>
+  </p:clrMapOvr>
+</p:sld>
+</file>
+
+<file path=ppt/slides/slide13.xml><?xml version="1.0" encoding="utf-8"?>
+<p:sld xmlns:a="http://schemas.openxmlformats.org/drawingml/2006/main" xmlns:r="http://schemas.openxmlformats.org/officeDocument/2006/relationships" xmlns:p="http://schemas.openxmlformats.org/presentationml/2006/main">
+  <p:cSld>
+    <p:spTree>
+      <p:nvGrpSpPr>
+        <p:cNvPr id="1" name="">
+          <a:extLst>
+            <a:ext uri="{FF2B5EF4-FFF2-40B4-BE49-F238E27FC236}">
+              <a16:creationId xmlns:a16="http://schemas.microsoft.com/office/drawing/2014/main" id="{62D211BF-07AC-2BFF-4623-A029B4A83F52}"/>
+            </a:ext>
+          </a:extLst>
+        </p:cNvPr>
+        <p:cNvGrpSpPr/>
+        <p:nvPr/>
+      </p:nvGrpSpPr>
+      <p:grpSpPr>
+        <a:xfrm>
+          <a:off x="0" y="0"/>
+          <a:ext cx="0" cy="0"/>
+          <a:chOff x="0" y="0"/>
+          <a:chExt cx="0" cy="0"/>
+        </a:xfrm>
+      </p:grpSpPr>
+      <p:sp>
+        <p:nvSpPr>
+          <p:cNvPr id="60" name="タイトル 59">
+            <a:extLst>
+              <a:ext uri="{FF2B5EF4-FFF2-40B4-BE49-F238E27FC236}">
+                <a16:creationId xmlns:a16="http://schemas.microsoft.com/office/drawing/2014/main" id="{7AFEF29C-9A83-FE88-D0DB-40984ACBBBCC}"/>
+              </a:ext>
+            </a:extLst>
+          </p:cNvPr>
+          <p:cNvSpPr>
+            <a:spLocks noGrp="1"/>
+          </p:cNvSpPr>
+          <p:nvPr>
+            <p:ph type="title"/>
+          </p:nvPr>
+        </p:nvSpPr>
+        <p:spPr>
+          <a:xfrm>
+            <a:off x="609600" y="188640"/>
+            <a:ext cx="10972800" cy="746548"/>
+          </a:xfrm>
+        </p:spPr>
+        <p:txBody>
+          <a:bodyPr/>
+          <a:lstStyle/>
+          <a:p>
+            <a:r>
+              <a:rPr lang="ja-JP" altLang="en-US"/>
+              <a:t>フェデレーションの構成</a:t>
+            </a:r>
+          </a:p>
+        </p:txBody>
+      </p:sp>
+      <p:sp>
+        <p:nvSpPr>
+          <p:cNvPr id="2" name="スライド番号プレースホルダー 1">
+            <a:extLst>
+              <a:ext uri="{FF2B5EF4-FFF2-40B4-BE49-F238E27FC236}">
+                <a16:creationId xmlns:a16="http://schemas.microsoft.com/office/drawing/2014/main" id="{CF7777A7-B57D-B5E3-A768-BA17461A533A}"/>
+              </a:ext>
+            </a:extLst>
+          </p:cNvPr>
+          <p:cNvSpPr>
+            <a:spLocks noGrp="1"/>
+          </p:cNvSpPr>
+          <p:nvPr>
+            <p:ph type="sldNum" sz="quarter" idx="4"/>
+          </p:nvPr>
+        </p:nvSpPr>
+        <p:spPr/>
+        <p:txBody>
+          <a:bodyPr/>
+          <a:lstStyle/>
+          <a:p>
+            <a:pPr algn="r">
+              <a:defRPr/>
+            </a:pPr>
+            <a:fld id="{E17FD244-5B26-4792-B537-EF0BE56E30E9}" type="slidenum">
+              <a:rPr lang="ja-JP" altLang="en-US" smtClean="0"/>
+              <a:pPr algn="r">
+                <a:defRPr/>
+              </a:pPr>
+              <a:t>13</a:t>
+            </a:fld>
+            <a:endParaRPr lang="ja-JP" altLang="en-US" dirty="0"/>
+          </a:p>
+        </p:txBody>
+      </p:sp>
+      <p:sp>
+        <p:nvSpPr>
+          <p:cNvPr id="64" name="正方形/長方形 63">
+            <a:extLst>
+              <a:ext uri="{FF2B5EF4-FFF2-40B4-BE49-F238E27FC236}">
+                <a16:creationId xmlns:a16="http://schemas.microsoft.com/office/drawing/2014/main" id="{3F8E8A93-3F33-EF25-0A6E-039462A788C0}"/>
+              </a:ext>
+            </a:extLst>
+          </p:cNvPr>
+          <p:cNvSpPr/>
+          <p:nvPr/>
+        </p:nvSpPr>
+        <p:spPr>
+          <a:xfrm>
+            <a:off x="4331486" y="1700388"/>
+            <a:ext cx="2462324" cy="864516"/>
+          </a:xfrm>
+          <a:prstGeom prst="rect">
+            <a:avLst/>
+          </a:prstGeom>
+          <a:solidFill>
+            <a:schemeClr val="bg1">
+              <a:lumMod val="85000"/>
+            </a:schemeClr>
+          </a:solidFill>
+          <a:ln>
+            <a:noFill/>
+            <a:prstDash val="dash"/>
+            <a:headEnd type="none"/>
+            <a:tailEnd type="none"/>
+          </a:ln>
+        </p:spPr>
+        <p:style>
+          <a:lnRef idx="1">
+            <a:schemeClr val="accent1"/>
+          </a:lnRef>
+          <a:fillRef idx="0">
+            <a:schemeClr val="accent1"/>
+          </a:fillRef>
+          <a:effectRef idx="0">
+            <a:schemeClr val="accent1"/>
+          </a:effectRef>
+          <a:fontRef idx="minor">
+            <a:schemeClr val="tx1"/>
+          </a:fontRef>
+        </p:style>
+        <p:txBody>
+          <a:bodyPr rtlCol="0" anchor="ctr"/>
+          <a:lstStyle/>
+          <a:p>
+            <a:pPr algn="ctr"/>
+            <a:endParaRPr kumimoji="1" lang="ja-JP" altLang="en-US" sz="2400"/>
+          </a:p>
+        </p:txBody>
+      </p:sp>
+      <p:sp>
+        <p:nvSpPr>
+          <p:cNvPr id="90" name="円/楕円 89">
+            <a:extLst>
+              <a:ext uri="{FF2B5EF4-FFF2-40B4-BE49-F238E27FC236}">
+                <a16:creationId xmlns:a16="http://schemas.microsoft.com/office/drawing/2014/main" id="{A27ED4FF-7CF0-F709-F4F7-B28A00D0694B}"/>
+              </a:ext>
+            </a:extLst>
+          </p:cNvPr>
+          <p:cNvSpPr/>
+          <p:nvPr/>
+        </p:nvSpPr>
+        <p:spPr>
+          <a:xfrm>
+            <a:off x="4506217" y="2160849"/>
+            <a:ext cx="216000" cy="216000"/>
+          </a:xfrm>
+          <a:prstGeom prst="ellipse">
+            <a:avLst/>
+          </a:prstGeom>
+          <a:solidFill>
+            <a:schemeClr val="tx1"/>
+          </a:solidFill>
+          <a:ln>
+            <a:solidFill>
+              <a:schemeClr val="tx1"/>
+            </a:solidFill>
+          </a:ln>
+        </p:spPr>
+        <p:style>
+          <a:lnRef idx="1">
+            <a:schemeClr val="accent1"/>
+          </a:lnRef>
+          <a:fillRef idx="0">
+            <a:schemeClr val="accent1"/>
+          </a:fillRef>
+          <a:effectRef idx="0">
+            <a:schemeClr val="accent1"/>
+          </a:effectRef>
+          <a:fontRef idx="minor">
+            <a:schemeClr val="tx1"/>
+          </a:fontRef>
+        </p:style>
+        <p:txBody>
+          <a:bodyPr rtlCol="0" anchor="ctr"/>
+          <a:lstStyle/>
+          <a:p>
+            <a:pPr algn="ctr"/>
+            <a:endParaRPr kumimoji="1" lang="ja-JP" altLang="en-US" sz="2400"/>
+          </a:p>
+        </p:txBody>
+      </p:sp>
+      <p:sp>
+        <p:nvSpPr>
+          <p:cNvPr id="95" name="円/楕円 94">
+            <a:extLst>
+              <a:ext uri="{FF2B5EF4-FFF2-40B4-BE49-F238E27FC236}">
+                <a16:creationId xmlns:a16="http://schemas.microsoft.com/office/drawing/2014/main" id="{CD28278B-7AC7-CF1B-2A2B-4C005EBED749}"/>
+              </a:ext>
+            </a:extLst>
+          </p:cNvPr>
+          <p:cNvSpPr/>
+          <p:nvPr/>
+        </p:nvSpPr>
+        <p:spPr>
+          <a:xfrm>
+            <a:off x="5946401" y="1800808"/>
+            <a:ext cx="216000" cy="216000"/>
+          </a:xfrm>
+          <a:prstGeom prst="ellipse">
+            <a:avLst/>
+          </a:prstGeom>
+          <a:solidFill>
+            <a:schemeClr val="bg1"/>
+          </a:solidFill>
+          <a:ln>
+            <a:solidFill>
+              <a:schemeClr val="tx1"/>
+            </a:solidFill>
+          </a:ln>
+        </p:spPr>
+        <p:style>
+          <a:lnRef idx="1">
+            <a:schemeClr val="accent1"/>
+          </a:lnRef>
+          <a:fillRef idx="0">
+            <a:schemeClr val="accent1"/>
+          </a:fillRef>
+          <a:effectRef idx="0">
+            <a:schemeClr val="accent1"/>
+          </a:effectRef>
+          <a:fontRef idx="minor">
+            <a:schemeClr val="tx1"/>
+          </a:fontRef>
+        </p:style>
+        <p:txBody>
+          <a:bodyPr rtlCol="0" anchor="ctr"/>
+          <a:lstStyle/>
+          <a:p>
+            <a:pPr algn="ctr"/>
+            <a:endParaRPr kumimoji="1" lang="ja-JP" altLang="en-US" sz="2400"/>
+          </a:p>
+        </p:txBody>
+      </p:sp>
+      <p:sp>
+        <p:nvSpPr>
+          <p:cNvPr id="96" name="テキスト ボックス 95">
+            <a:extLst>
+              <a:ext uri="{FF2B5EF4-FFF2-40B4-BE49-F238E27FC236}">
+                <a16:creationId xmlns:a16="http://schemas.microsoft.com/office/drawing/2014/main" id="{ED8E9997-0A82-4D46-5454-A354C49B1C8D}"/>
+              </a:ext>
+            </a:extLst>
+          </p:cNvPr>
+          <p:cNvSpPr txBox="1"/>
+          <p:nvPr/>
+        </p:nvSpPr>
+        <p:spPr>
+          <a:xfrm>
+            <a:off x="6098131" y="1644101"/>
+            <a:ext cx="1005981" cy="461665"/>
+          </a:xfrm>
+          <a:prstGeom prst="rect">
+            <a:avLst/>
+          </a:prstGeom>
+          <a:noFill/>
+        </p:spPr>
+        <p:txBody>
+          <a:bodyPr wrap="none" rtlCol="0">
+            <a:spAutoFit/>
+          </a:bodyPr>
+          <a:lstStyle/>
+          <a:p>
+            <a:r>
+              <a:rPr kumimoji="1" lang="en-US" altLang="ja-JP" sz="2400" b="1" i="1">
+                <a:latin typeface="Times New Roman" panose="02020603050405020304" pitchFamily="18" charset="0"/>
+                <a:cs typeface="Times New Roman" panose="02020603050405020304" pitchFamily="18" charset="0"/>
+              </a:rPr>
+              <a:t>T</a:t>
+            </a:r>
+            <a:r>
+              <a:rPr kumimoji="1" lang="en-US" altLang="ja-JP" sz="2400" b="1" i="1" baseline="-25000">
+                <a:latin typeface="Times New Roman" panose="02020603050405020304" pitchFamily="18" charset="0"/>
+                <a:cs typeface="Times New Roman" panose="02020603050405020304" pitchFamily="18" charset="0"/>
+              </a:rPr>
+              <a:t>c</a:t>
+            </a:r>
+            <a:r>
+              <a:rPr kumimoji="1" lang="en-US" altLang="ja-JP" sz="2400" b="1" i="1" baseline="30000">
+                <a:latin typeface="Times New Roman" panose="02020603050405020304" pitchFamily="18" charset="0"/>
+                <a:cs typeface="Times New Roman" panose="02020603050405020304" pitchFamily="18" charset="0"/>
+              </a:rPr>
+              <a:t>Parent</a:t>
+            </a:r>
+            <a:endParaRPr kumimoji="1" lang="ja-JP" altLang="en-US" sz="2400" baseline="30000">
+              <a:latin typeface="Times New Roman" panose="02020603050405020304" pitchFamily="18" charset="0"/>
+              <a:cs typeface="Times New Roman" panose="02020603050405020304" pitchFamily="18" charset="0"/>
+            </a:endParaRPr>
+          </a:p>
+        </p:txBody>
+      </p:sp>
+      <p:sp>
+        <p:nvSpPr>
+          <p:cNvPr id="97" name="テキスト ボックス 96">
+            <a:extLst>
+              <a:ext uri="{FF2B5EF4-FFF2-40B4-BE49-F238E27FC236}">
+                <a16:creationId xmlns:a16="http://schemas.microsoft.com/office/drawing/2014/main" id="{86187B39-C9EE-8541-8BF6-BB20CA5A91EA}"/>
+              </a:ext>
+            </a:extLst>
+          </p:cNvPr>
+          <p:cNvSpPr txBox="1"/>
+          <p:nvPr/>
+        </p:nvSpPr>
+        <p:spPr>
+          <a:xfrm>
+            <a:off x="5591828" y="2026149"/>
+            <a:ext cx="418513" cy="461665"/>
+          </a:xfrm>
+          <a:prstGeom prst="rect">
+            <a:avLst/>
+          </a:prstGeom>
+          <a:noFill/>
+        </p:spPr>
+        <p:txBody>
+          <a:bodyPr wrap="none" rtlCol="0">
+            <a:spAutoFit/>
+          </a:bodyPr>
+          <a:lstStyle/>
+          <a:p>
+            <a:r>
+              <a:rPr kumimoji="1" lang="en-US" altLang="ja-JP" sz="2400" b="1" i="1">
+                <a:latin typeface="Times New Roman" panose="02020603050405020304" pitchFamily="18" charset="0"/>
+                <a:cs typeface="Times New Roman" panose="02020603050405020304" pitchFamily="18" charset="0"/>
+              </a:rPr>
+              <a:t>T</a:t>
+            </a:r>
+            <a:r>
+              <a:rPr lang="en-US" altLang="ja-JP" sz="2400" b="1" i="1" baseline="-25000">
+                <a:latin typeface="Times New Roman" panose="02020603050405020304" pitchFamily="18" charset="0"/>
+                <a:cs typeface="Times New Roman" panose="02020603050405020304" pitchFamily="18" charset="0"/>
+              </a:rPr>
+              <a:t>i</a:t>
+            </a:r>
+            <a:endParaRPr kumimoji="1" lang="ja-JP" altLang="en-US" sz="2400" baseline="-25000">
+              <a:latin typeface="Times New Roman" panose="02020603050405020304" pitchFamily="18" charset="0"/>
+              <a:cs typeface="Times New Roman" panose="02020603050405020304" pitchFamily="18" charset="0"/>
+            </a:endParaRPr>
+          </a:p>
+        </p:txBody>
+      </p:sp>
+      <p:sp>
+        <p:nvSpPr>
+          <p:cNvPr id="14" name="円/楕円 13">
+            <a:extLst>
+              <a:ext uri="{FF2B5EF4-FFF2-40B4-BE49-F238E27FC236}">
+                <a16:creationId xmlns:a16="http://schemas.microsoft.com/office/drawing/2014/main" id="{C7AE01B2-EB28-7611-9071-D6558C3755FC}"/>
+              </a:ext>
+            </a:extLst>
+          </p:cNvPr>
+          <p:cNvSpPr/>
+          <p:nvPr/>
+        </p:nvSpPr>
+        <p:spPr>
+          <a:xfrm>
+            <a:off x="4794273" y="2160824"/>
+            <a:ext cx="216000" cy="216000"/>
+          </a:xfrm>
+          <a:prstGeom prst="ellipse">
+            <a:avLst/>
+          </a:prstGeom>
+          <a:solidFill>
+            <a:schemeClr val="tx1"/>
+          </a:solidFill>
+          <a:ln>
+            <a:solidFill>
+              <a:schemeClr val="tx1"/>
+            </a:solidFill>
+          </a:ln>
+        </p:spPr>
+        <p:style>
+          <a:lnRef idx="1">
+            <a:schemeClr val="accent1"/>
+          </a:lnRef>
+          <a:fillRef idx="0">
+            <a:schemeClr val="accent1"/>
+          </a:fillRef>
+          <a:effectRef idx="0">
+            <a:schemeClr val="accent1"/>
+          </a:effectRef>
+          <a:fontRef idx="minor">
+            <a:schemeClr val="tx1"/>
+          </a:fontRef>
+        </p:style>
+        <p:txBody>
+          <a:bodyPr rtlCol="0" anchor="ctr"/>
+          <a:lstStyle/>
+          <a:p>
+            <a:pPr algn="ctr"/>
+            <a:endParaRPr kumimoji="1" lang="ja-JP" altLang="en-US" sz="2400"/>
+          </a:p>
+        </p:txBody>
+      </p:sp>
+      <p:sp>
+        <p:nvSpPr>
+          <p:cNvPr id="15" name="円/楕円 14">
+            <a:extLst>
+              <a:ext uri="{FF2B5EF4-FFF2-40B4-BE49-F238E27FC236}">
+                <a16:creationId xmlns:a16="http://schemas.microsoft.com/office/drawing/2014/main" id="{09DE72F2-6151-744E-5BC7-64BEC9B68CB4}"/>
+              </a:ext>
+            </a:extLst>
+          </p:cNvPr>
+          <p:cNvSpPr/>
+          <p:nvPr/>
+        </p:nvSpPr>
+        <p:spPr>
+          <a:xfrm>
+            <a:off x="5082329" y="2160799"/>
+            <a:ext cx="216000" cy="216000"/>
+          </a:xfrm>
+          <a:prstGeom prst="ellipse">
+            <a:avLst/>
+          </a:prstGeom>
+          <a:solidFill>
+            <a:schemeClr val="tx1"/>
+          </a:solidFill>
+          <a:ln>
+            <a:solidFill>
+              <a:schemeClr val="tx1"/>
+            </a:solidFill>
+          </a:ln>
+        </p:spPr>
+        <p:style>
+          <a:lnRef idx="1">
+            <a:schemeClr val="accent1"/>
+          </a:lnRef>
+          <a:fillRef idx="0">
+            <a:schemeClr val="accent1"/>
+          </a:fillRef>
+          <a:effectRef idx="0">
+            <a:schemeClr val="accent1"/>
+          </a:effectRef>
+          <a:fontRef idx="minor">
+            <a:schemeClr val="tx1"/>
+          </a:fontRef>
+        </p:style>
+        <p:txBody>
+          <a:bodyPr rtlCol="0" anchor="ctr"/>
+          <a:lstStyle/>
+          <a:p>
+            <a:pPr algn="ctr"/>
+            <a:endParaRPr kumimoji="1" lang="ja-JP" altLang="en-US" sz="2400"/>
+          </a:p>
+        </p:txBody>
+      </p:sp>
+      <p:sp>
+        <p:nvSpPr>
+          <p:cNvPr id="20" name="タイトル 59">
+            <a:extLst>
+              <a:ext uri="{FF2B5EF4-FFF2-40B4-BE49-F238E27FC236}">
+                <a16:creationId xmlns:a16="http://schemas.microsoft.com/office/drawing/2014/main" id="{8CD17F0B-E32A-0DD9-C1EE-FAFD16D47571}"/>
+              </a:ext>
+            </a:extLst>
+          </p:cNvPr>
+          <p:cNvSpPr txBox="1">
+            <a:spLocks/>
+          </p:cNvSpPr>
+          <p:nvPr/>
+        </p:nvSpPr>
+        <p:spPr>
+          <a:xfrm>
+            <a:off x="762000" y="536154"/>
+            <a:ext cx="10972800" cy="746548"/>
+          </a:xfrm>
+          <a:prstGeom prst="rect">
+            <a:avLst/>
+          </a:prstGeom>
+        </p:spPr>
+        <p:txBody>
+          <a:bodyPr vert="horz" lIns="91440" tIns="45720" rIns="91440" bIns="45720" rtlCol="0" anchor="ctr">
+            <a:noAutofit/>
+          </a:bodyPr>
+          <a:lstStyle>
+            <a:lvl1pPr algn="l" rtl="0" eaLnBrk="1" fontAlgn="base" hangingPunct="1">
+              <a:spcBef>
+                <a:spcPct val="0"/>
+              </a:spcBef>
+              <a:spcAft>
+                <a:spcPct val="0"/>
+              </a:spcAft>
+              <a:defRPr kumimoji="1" sz="4000" b="1" kern="1200" spc="-100">
+                <a:solidFill>
+                  <a:schemeClr val="tx2"/>
+                </a:solidFill>
+                <a:latin typeface="Meiryo UI" panose="020B0604030504040204" pitchFamily="50" charset="-128"/>
+                <a:ea typeface="Meiryo UI" panose="020B0604030504040204" pitchFamily="50" charset="-128"/>
+                <a:cs typeface="+mj-cs"/>
+              </a:defRPr>
+            </a:lvl1pPr>
+            <a:lvl2pPr algn="l" rtl="0" eaLnBrk="1" fontAlgn="base" hangingPunct="1">
+              <a:spcBef>
+                <a:spcPct val="0"/>
+              </a:spcBef>
+              <a:spcAft>
+                <a:spcPct val="0"/>
+              </a:spcAft>
+              <a:defRPr kumimoji="1" sz="3200">
+                <a:solidFill>
+                  <a:schemeClr val="tx2"/>
+                </a:solidFill>
+                <a:latin typeface="Arial" charset="0"/>
+                <a:ea typeface="ＭＳ Ｐゴシック" charset="-128"/>
+              </a:defRPr>
+            </a:lvl2pPr>
+            <a:lvl3pPr algn="l" rtl="0" eaLnBrk="1" fontAlgn="base" hangingPunct="1">
+              <a:spcBef>
+                <a:spcPct val="0"/>
+              </a:spcBef>
+              <a:spcAft>
+                <a:spcPct val="0"/>
+              </a:spcAft>
+              <a:defRPr kumimoji="1" sz="3200">
+                <a:solidFill>
+                  <a:schemeClr val="tx2"/>
+                </a:solidFill>
+                <a:latin typeface="Arial" charset="0"/>
+                <a:ea typeface="ＭＳ Ｐゴシック" charset="-128"/>
+              </a:defRPr>
+            </a:lvl3pPr>
+            <a:lvl4pPr algn="l" rtl="0" eaLnBrk="1" fontAlgn="base" hangingPunct="1">
+              <a:spcBef>
+                <a:spcPct val="0"/>
+              </a:spcBef>
+              <a:spcAft>
+                <a:spcPct val="0"/>
+              </a:spcAft>
+              <a:defRPr kumimoji="1" sz="3200">
+                <a:solidFill>
+                  <a:schemeClr val="tx2"/>
+                </a:solidFill>
+                <a:latin typeface="Arial" charset="0"/>
+                <a:ea typeface="ＭＳ Ｐゴシック" charset="-128"/>
+              </a:defRPr>
+            </a:lvl4pPr>
+            <a:lvl5pPr algn="l" rtl="0" eaLnBrk="1" fontAlgn="base" hangingPunct="1">
+              <a:spcBef>
+                <a:spcPct val="0"/>
+              </a:spcBef>
+              <a:spcAft>
+                <a:spcPct val="0"/>
+              </a:spcAft>
+              <a:defRPr kumimoji="1" sz="3200">
+                <a:solidFill>
+                  <a:schemeClr val="tx2"/>
+                </a:solidFill>
+                <a:latin typeface="Arial" charset="0"/>
+                <a:ea typeface="ＭＳ Ｐゴシック" charset="-128"/>
+              </a:defRPr>
+            </a:lvl5pPr>
+            <a:lvl6pPr marL="457200" algn="l" rtl="0" eaLnBrk="1" fontAlgn="base" hangingPunct="1">
+              <a:spcBef>
+                <a:spcPct val="0"/>
+              </a:spcBef>
+              <a:spcAft>
+                <a:spcPct val="0"/>
+              </a:spcAft>
+              <a:defRPr kumimoji="1" sz="3200">
+                <a:solidFill>
+                  <a:schemeClr val="tx2"/>
+                </a:solidFill>
+                <a:latin typeface="Arial" charset="0"/>
+                <a:ea typeface="ＭＳ Ｐゴシック" charset="-128"/>
+              </a:defRPr>
+            </a:lvl6pPr>
+            <a:lvl7pPr marL="914400" algn="l" rtl="0" eaLnBrk="1" fontAlgn="base" hangingPunct="1">
+              <a:spcBef>
+                <a:spcPct val="0"/>
+              </a:spcBef>
+              <a:spcAft>
+                <a:spcPct val="0"/>
+              </a:spcAft>
+              <a:defRPr kumimoji="1" sz="3200">
+                <a:solidFill>
+                  <a:schemeClr val="tx2"/>
+                </a:solidFill>
+                <a:latin typeface="Arial" charset="0"/>
+                <a:ea typeface="ＭＳ Ｐゴシック" charset="-128"/>
+              </a:defRPr>
+            </a:lvl7pPr>
+            <a:lvl8pPr marL="1371600" algn="l" rtl="0" eaLnBrk="1" fontAlgn="base" hangingPunct="1">
+              <a:spcBef>
+                <a:spcPct val="0"/>
+              </a:spcBef>
+              <a:spcAft>
+                <a:spcPct val="0"/>
+              </a:spcAft>
+              <a:defRPr kumimoji="1" sz="3200">
+                <a:solidFill>
+                  <a:schemeClr val="tx2"/>
+                </a:solidFill>
+                <a:latin typeface="Arial" charset="0"/>
+                <a:ea typeface="ＭＳ Ｐゴシック" charset="-128"/>
+              </a:defRPr>
+            </a:lvl8pPr>
+            <a:lvl9pPr marL="1828800" algn="l" rtl="0" eaLnBrk="1" fontAlgn="base" hangingPunct="1">
+              <a:spcBef>
+                <a:spcPct val="0"/>
+              </a:spcBef>
+              <a:spcAft>
+                <a:spcPct val="0"/>
+              </a:spcAft>
+              <a:defRPr kumimoji="1" sz="3200">
+                <a:solidFill>
+                  <a:schemeClr val="tx2"/>
+                </a:solidFill>
+                <a:latin typeface="Arial" charset="0"/>
+                <a:ea typeface="ＭＳ Ｐゴシック" charset="-128"/>
+              </a:defRPr>
+            </a:lvl9pPr>
+          </a:lstStyle>
+          <a:p>
+            <a:endParaRPr lang="ja-JP" altLang="en-US"/>
+          </a:p>
+        </p:txBody>
+      </p:sp>
+      <p:sp>
+        <p:nvSpPr>
+          <p:cNvPr id="30" name="テキスト ボックス 29">
+            <a:extLst>
+              <a:ext uri="{FF2B5EF4-FFF2-40B4-BE49-F238E27FC236}">
+                <a16:creationId xmlns:a16="http://schemas.microsoft.com/office/drawing/2014/main" id="{A3A29BFE-8E3D-92CD-D84C-2DEA9317B91E}"/>
+              </a:ext>
+            </a:extLst>
+          </p:cNvPr>
+          <p:cNvSpPr txBox="1"/>
+          <p:nvPr/>
+        </p:nvSpPr>
+        <p:spPr>
+          <a:xfrm>
+            <a:off x="5319297" y="2078006"/>
+            <a:ext cx="377026" cy="369332"/>
+          </a:xfrm>
+          <a:prstGeom prst="rect">
+            <a:avLst/>
+          </a:prstGeom>
+          <a:noFill/>
+        </p:spPr>
+        <p:txBody>
+          <a:bodyPr wrap="none" rtlCol="0">
+            <a:spAutoFit/>
+          </a:bodyPr>
+          <a:lstStyle/>
+          <a:p>
+            <a:r>
+              <a:rPr kumimoji="1" lang="en-US" altLang="ja-JP"/>
+              <a:t>...</a:t>
+            </a:r>
+            <a:endParaRPr kumimoji="1" lang="ja-JP" altLang="en-US"/>
+          </a:p>
+        </p:txBody>
+      </p:sp>
+      <p:sp>
+        <p:nvSpPr>
+          <p:cNvPr id="31" name="正方形/長方形 30">
+            <a:extLst>
+              <a:ext uri="{FF2B5EF4-FFF2-40B4-BE49-F238E27FC236}">
+                <a16:creationId xmlns:a16="http://schemas.microsoft.com/office/drawing/2014/main" id="{6EE5A047-EE03-D277-DA19-75301453182D}"/>
+              </a:ext>
+            </a:extLst>
+          </p:cNvPr>
+          <p:cNvSpPr/>
+          <p:nvPr/>
+        </p:nvSpPr>
+        <p:spPr>
+          <a:xfrm>
+            <a:off x="2094111" y="3025315"/>
+            <a:ext cx="2462324" cy="864516"/>
+          </a:xfrm>
+          <a:prstGeom prst="rect">
+            <a:avLst/>
+          </a:prstGeom>
+          <a:solidFill>
+            <a:schemeClr val="bg1">
+              <a:lumMod val="85000"/>
+            </a:schemeClr>
+          </a:solidFill>
+          <a:ln>
+            <a:noFill/>
+            <a:prstDash val="dash"/>
+            <a:headEnd type="none"/>
+            <a:tailEnd type="none"/>
+          </a:ln>
+        </p:spPr>
+        <p:style>
+          <a:lnRef idx="1">
+            <a:schemeClr val="accent1"/>
+          </a:lnRef>
+          <a:fillRef idx="0">
+            <a:schemeClr val="accent1"/>
+          </a:fillRef>
+          <a:effectRef idx="0">
+            <a:schemeClr val="accent1"/>
+          </a:effectRef>
+          <a:fontRef idx="minor">
+            <a:schemeClr val="tx1"/>
+          </a:fontRef>
+        </p:style>
+        <p:txBody>
+          <a:bodyPr rtlCol="0" anchor="ctr"/>
+          <a:lstStyle/>
+          <a:p>
+            <a:pPr algn="ctr"/>
+            <a:endParaRPr kumimoji="1" lang="ja-JP" altLang="en-US" sz="2400"/>
+          </a:p>
+        </p:txBody>
+      </p:sp>
+      <p:sp>
+        <p:nvSpPr>
+          <p:cNvPr id="32" name="円/楕円 31">
+            <a:extLst>
+              <a:ext uri="{FF2B5EF4-FFF2-40B4-BE49-F238E27FC236}">
+                <a16:creationId xmlns:a16="http://schemas.microsoft.com/office/drawing/2014/main" id="{D3C12ED2-37BE-9297-DBC6-3FD878FB8F58}"/>
+              </a:ext>
+            </a:extLst>
+          </p:cNvPr>
+          <p:cNvSpPr/>
+          <p:nvPr/>
+        </p:nvSpPr>
+        <p:spPr>
+          <a:xfrm>
+            <a:off x="2268842" y="3485776"/>
+            <a:ext cx="216000" cy="216000"/>
+          </a:xfrm>
+          <a:prstGeom prst="ellipse">
+            <a:avLst/>
+          </a:prstGeom>
+          <a:solidFill>
+            <a:schemeClr val="tx1"/>
+          </a:solidFill>
+          <a:ln>
+            <a:solidFill>
+              <a:schemeClr val="tx1"/>
+            </a:solidFill>
+          </a:ln>
+        </p:spPr>
+        <p:style>
+          <a:lnRef idx="1">
+            <a:schemeClr val="accent1"/>
+          </a:lnRef>
+          <a:fillRef idx="0">
+            <a:schemeClr val="accent1"/>
+          </a:fillRef>
+          <a:effectRef idx="0">
+            <a:schemeClr val="accent1"/>
+          </a:effectRef>
+          <a:fontRef idx="minor">
+            <a:schemeClr val="tx1"/>
+          </a:fontRef>
+        </p:style>
+        <p:txBody>
+          <a:bodyPr rtlCol="0" anchor="ctr"/>
+          <a:lstStyle/>
+          <a:p>
+            <a:pPr algn="ctr"/>
+            <a:endParaRPr kumimoji="1" lang="ja-JP" altLang="en-US" sz="2400"/>
+          </a:p>
+        </p:txBody>
+      </p:sp>
+      <p:sp>
+        <p:nvSpPr>
+          <p:cNvPr id="33" name="円/楕円 32">
+            <a:extLst>
+              <a:ext uri="{FF2B5EF4-FFF2-40B4-BE49-F238E27FC236}">
+                <a16:creationId xmlns:a16="http://schemas.microsoft.com/office/drawing/2014/main" id="{545C8E40-5B06-FF38-3CC4-2346262E8CF6}"/>
+              </a:ext>
+            </a:extLst>
+          </p:cNvPr>
+          <p:cNvSpPr/>
+          <p:nvPr/>
+        </p:nvSpPr>
+        <p:spPr>
+          <a:xfrm>
+            <a:off x="3709026" y="3125735"/>
+            <a:ext cx="216000" cy="216000"/>
+          </a:xfrm>
+          <a:prstGeom prst="ellipse">
+            <a:avLst/>
+          </a:prstGeom>
+          <a:solidFill>
+            <a:schemeClr val="bg1"/>
+          </a:solidFill>
+          <a:ln>
+            <a:solidFill>
+              <a:schemeClr val="tx1"/>
+            </a:solidFill>
+          </a:ln>
+        </p:spPr>
+        <p:style>
+          <a:lnRef idx="1">
+            <a:schemeClr val="accent1"/>
+          </a:lnRef>
+          <a:fillRef idx="0">
+            <a:schemeClr val="accent1"/>
+          </a:fillRef>
+          <a:effectRef idx="0">
+            <a:schemeClr val="accent1"/>
+          </a:effectRef>
+          <a:fontRef idx="minor">
+            <a:schemeClr val="tx1"/>
+          </a:fontRef>
+        </p:style>
+        <p:txBody>
+          <a:bodyPr rtlCol="0" anchor="ctr"/>
+          <a:lstStyle/>
+          <a:p>
+            <a:pPr algn="ctr"/>
+            <a:endParaRPr kumimoji="1" lang="ja-JP" altLang="en-US" sz="2400"/>
+          </a:p>
+        </p:txBody>
+      </p:sp>
+      <p:sp>
+        <p:nvSpPr>
+          <p:cNvPr id="35" name="テキスト ボックス 34">
+            <a:extLst>
+              <a:ext uri="{FF2B5EF4-FFF2-40B4-BE49-F238E27FC236}">
+                <a16:creationId xmlns:a16="http://schemas.microsoft.com/office/drawing/2014/main" id="{1AC1B61B-A2C4-A1A1-54EE-1BFA46DF3632}"/>
+              </a:ext>
+            </a:extLst>
+          </p:cNvPr>
+          <p:cNvSpPr txBox="1"/>
+          <p:nvPr/>
+        </p:nvSpPr>
+        <p:spPr>
+          <a:xfrm>
+            <a:off x="3860756" y="2969028"/>
+            <a:ext cx="903389" cy="461665"/>
+          </a:xfrm>
+          <a:prstGeom prst="rect">
+            <a:avLst/>
+          </a:prstGeom>
+          <a:noFill/>
+        </p:spPr>
+        <p:txBody>
+          <a:bodyPr wrap="none" rtlCol="0">
+            <a:spAutoFit/>
+          </a:bodyPr>
+          <a:lstStyle/>
+          <a:p>
+            <a:r>
+              <a:rPr kumimoji="1" lang="en-US" altLang="ja-JP" sz="2400" b="1" i="1">
+                <a:latin typeface="Times New Roman" panose="02020603050405020304" pitchFamily="18" charset="0"/>
+                <a:cs typeface="Times New Roman" panose="02020603050405020304" pitchFamily="18" charset="0"/>
+              </a:rPr>
+              <a:t>T</a:t>
+            </a:r>
+            <a:r>
+              <a:rPr kumimoji="1" lang="en-US" altLang="ja-JP" sz="2400" b="1" i="1" baseline="-25000">
+                <a:latin typeface="Times New Roman" panose="02020603050405020304" pitchFamily="18" charset="0"/>
+                <a:cs typeface="Times New Roman" panose="02020603050405020304" pitchFamily="18" charset="0"/>
+              </a:rPr>
+              <a:t>c</a:t>
+            </a:r>
+            <a:r>
+              <a:rPr kumimoji="1" lang="en-US" altLang="ja-JP" sz="2400" b="1" i="1" baseline="30000">
+                <a:latin typeface="Times New Roman" panose="02020603050405020304" pitchFamily="18" charset="0"/>
+                <a:cs typeface="Times New Roman" panose="02020603050405020304" pitchFamily="18" charset="0"/>
+              </a:rPr>
+              <a:t>Child</a:t>
+            </a:r>
+            <a:endParaRPr kumimoji="1" lang="ja-JP" altLang="en-US" sz="2400" baseline="30000">
+              <a:latin typeface="Times New Roman" panose="02020603050405020304" pitchFamily="18" charset="0"/>
+              <a:cs typeface="Times New Roman" panose="02020603050405020304" pitchFamily="18" charset="0"/>
+            </a:endParaRPr>
+          </a:p>
+        </p:txBody>
+      </p:sp>
+      <p:sp>
+        <p:nvSpPr>
+          <p:cNvPr id="36" name="テキスト ボックス 35">
+            <a:extLst>
+              <a:ext uri="{FF2B5EF4-FFF2-40B4-BE49-F238E27FC236}">
+                <a16:creationId xmlns:a16="http://schemas.microsoft.com/office/drawing/2014/main" id="{142EC487-C33E-AC0F-58C0-C2D624E14F9A}"/>
+              </a:ext>
+            </a:extLst>
+          </p:cNvPr>
+          <p:cNvSpPr txBox="1"/>
+          <p:nvPr/>
+        </p:nvSpPr>
+        <p:spPr>
+          <a:xfrm>
+            <a:off x="3354453" y="3351076"/>
+            <a:ext cx="418513" cy="461665"/>
+          </a:xfrm>
+          <a:prstGeom prst="rect">
+            <a:avLst/>
+          </a:prstGeom>
+          <a:noFill/>
+        </p:spPr>
+        <p:txBody>
+          <a:bodyPr wrap="none" rtlCol="0">
+            <a:spAutoFit/>
+          </a:bodyPr>
+          <a:lstStyle/>
+          <a:p>
+            <a:r>
+              <a:rPr kumimoji="1" lang="en-US" altLang="ja-JP" sz="2400" b="1" i="1">
+                <a:latin typeface="Times New Roman" panose="02020603050405020304" pitchFamily="18" charset="0"/>
+                <a:cs typeface="Times New Roman" panose="02020603050405020304" pitchFamily="18" charset="0"/>
+              </a:rPr>
+              <a:t>T</a:t>
+            </a:r>
+            <a:r>
+              <a:rPr lang="en-US" altLang="ja-JP" sz="2400" b="1" i="1" baseline="-25000">
+                <a:latin typeface="Times New Roman" panose="02020603050405020304" pitchFamily="18" charset="0"/>
+                <a:cs typeface="Times New Roman" panose="02020603050405020304" pitchFamily="18" charset="0"/>
+              </a:rPr>
+              <a:t>i</a:t>
+            </a:r>
+            <a:endParaRPr kumimoji="1" lang="ja-JP" altLang="en-US" sz="2400" baseline="-25000">
+              <a:latin typeface="Times New Roman" panose="02020603050405020304" pitchFamily="18" charset="0"/>
+              <a:cs typeface="Times New Roman" panose="02020603050405020304" pitchFamily="18" charset="0"/>
+            </a:endParaRPr>
+          </a:p>
+        </p:txBody>
+      </p:sp>
+      <p:sp>
+        <p:nvSpPr>
+          <p:cNvPr id="37" name="円/楕円 36">
+            <a:extLst>
+              <a:ext uri="{FF2B5EF4-FFF2-40B4-BE49-F238E27FC236}">
+                <a16:creationId xmlns:a16="http://schemas.microsoft.com/office/drawing/2014/main" id="{E5BDDD0B-8B5A-141F-BDE9-3B8655A6FB4A}"/>
+              </a:ext>
+            </a:extLst>
+          </p:cNvPr>
+          <p:cNvSpPr/>
+          <p:nvPr/>
+        </p:nvSpPr>
+        <p:spPr>
+          <a:xfrm>
+            <a:off x="2556898" y="3485751"/>
+            <a:ext cx="216000" cy="216000"/>
+          </a:xfrm>
+          <a:prstGeom prst="ellipse">
+            <a:avLst/>
+          </a:prstGeom>
+          <a:solidFill>
+            <a:schemeClr val="tx1"/>
+          </a:solidFill>
+          <a:ln>
+            <a:solidFill>
+              <a:schemeClr val="tx1"/>
+            </a:solidFill>
+          </a:ln>
+        </p:spPr>
+        <p:style>
+          <a:lnRef idx="1">
+            <a:schemeClr val="accent1"/>
+          </a:lnRef>
+          <a:fillRef idx="0">
+            <a:schemeClr val="accent1"/>
+          </a:fillRef>
+          <a:effectRef idx="0">
+            <a:schemeClr val="accent1"/>
+          </a:effectRef>
+          <a:fontRef idx="minor">
+            <a:schemeClr val="tx1"/>
+          </a:fontRef>
+        </p:style>
+        <p:txBody>
+          <a:bodyPr rtlCol="0" anchor="ctr"/>
+          <a:lstStyle/>
+          <a:p>
+            <a:pPr algn="ctr"/>
+            <a:endParaRPr kumimoji="1" lang="ja-JP" altLang="en-US" sz="2400"/>
+          </a:p>
+        </p:txBody>
+      </p:sp>
+      <p:sp>
+        <p:nvSpPr>
+          <p:cNvPr id="39" name="円/楕円 38">
+            <a:extLst>
+              <a:ext uri="{FF2B5EF4-FFF2-40B4-BE49-F238E27FC236}">
+                <a16:creationId xmlns:a16="http://schemas.microsoft.com/office/drawing/2014/main" id="{DCE06844-F855-605F-6D41-FE61D6A6B156}"/>
+              </a:ext>
+            </a:extLst>
+          </p:cNvPr>
+          <p:cNvSpPr/>
+          <p:nvPr/>
+        </p:nvSpPr>
+        <p:spPr>
+          <a:xfrm>
+            <a:off x="2844954" y="3485726"/>
+            <a:ext cx="216000" cy="216000"/>
+          </a:xfrm>
+          <a:prstGeom prst="ellipse">
+            <a:avLst/>
+          </a:prstGeom>
+          <a:solidFill>
+            <a:schemeClr val="tx1"/>
+          </a:solidFill>
+          <a:ln>
+            <a:solidFill>
+              <a:schemeClr val="tx1"/>
+            </a:solidFill>
+          </a:ln>
+        </p:spPr>
+        <p:style>
+          <a:lnRef idx="1">
+            <a:schemeClr val="accent1"/>
+          </a:lnRef>
+          <a:fillRef idx="0">
+            <a:schemeClr val="accent1"/>
+          </a:fillRef>
+          <a:effectRef idx="0">
+            <a:schemeClr val="accent1"/>
+          </a:effectRef>
+          <a:fontRef idx="minor">
+            <a:schemeClr val="tx1"/>
+          </a:fontRef>
+        </p:style>
+        <p:txBody>
+          <a:bodyPr rtlCol="0" anchor="ctr"/>
+          <a:lstStyle/>
+          <a:p>
+            <a:pPr algn="ctr"/>
+            <a:endParaRPr kumimoji="1" lang="ja-JP" altLang="en-US" sz="2400"/>
+          </a:p>
+        </p:txBody>
+      </p:sp>
+      <p:sp>
+        <p:nvSpPr>
+          <p:cNvPr id="40" name="テキスト ボックス 39">
+            <a:extLst>
+              <a:ext uri="{FF2B5EF4-FFF2-40B4-BE49-F238E27FC236}">
+                <a16:creationId xmlns:a16="http://schemas.microsoft.com/office/drawing/2014/main" id="{98873AAD-B159-AA9E-20EA-25B53DDC2E94}"/>
+              </a:ext>
+            </a:extLst>
+          </p:cNvPr>
+          <p:cNvSpPr txBox="1"/>
+          <p:nvPr/>
+        </p:nvSpPr>
+        <p:spPr>
+          <a:xfrm>
+            <a:off x="3081922" y="3402933"/>
+            <a:ext cx="377026" cy="369332"/>
+          </a:xfrm>
+          <a:prstGeom prst="rect">
+            <a:avLst/>
+          </a:prstGeom>
+          <a:noFill/>
+        </p:spPr>
+        <p:txBody>
+          <a:bodyPr wrap="none" rtlCol="0">
+            <a:spAutoFit/>
+          </a:bodyPr>
+          <a:lstStyle/>
+          <a:p>
+            <a:r>
+              <a:rPr kumimoji="1" lang="en-US" altLang="ja-JP"/>
+              <a:t>...</a:t>
+            </a:r>
+            <a:endParaRPr kumimoji="1" lang="ja-JP" altLang="en-US"/>
+          </a:p>
+        </p:txBody>
+      </p:sp>
+      <p:sp>
+        <p:nvSpPr>
+          <p:cNvPr id="41" name="正方形/長方形 40">
+            <a:extLst>
+              <a:ext uri="{FF2B5EF4-FFF2-40B4-BE49-F238E27FC236}">
+                <a16:creationId xmlns:a16="http://schemas.microsoft.com/office/drawing/2014/main" id="{D455ED2B-2790-311B-4E80-008B734DCC5F}"/>
+              </a:ext>
+            </a:extLst>
+          </p:cNvPr>
+          <p:cNvSpPr/>
+          <p:nvPr/>
+        </p:nvSpPr>
+        <p:spPr>
+          <a:xfrm>
+            <a:off x="554546" y="4350242"/>
+            <a:ext cx="2462324" cy="864516"/>
+          </a:xfrm>
+          <a:prstGeom prst="rect">
+            <a:avLst/>
+          </a:prstGeom>
+          <a:solidFill>
+            <a:schemeClr val="bg1">
+              <a:lumMod val="85000"/>
+            </a:schemeClr>
+          </a:solidFill>
+          <a:ln>
+            <a:noFill/>
+            <a:prstDash val="dash"/>
+            <a:headEnd type="none"/>
+            <a:tailEnd type="none"/>
+          </a:ln>
+        </p:spPr>
+        <p:style>
+          <a:lnRef idx="1">
+            <a:schemeClr val="accent1"/>
+          </a:lnRef>
+          <a:fillRef idx="0">
+            <a:schemeClr val="accent1"/>
+          </a:fillRef>
+          <a:effectRef idx="0">
+            <a:schemeClr val="accent1"/>
+          </a:effectRef>
+          <a:fontRef idx="minor">
+            <a:schemeClr val="tx1"/>
+          </a:fontRef>
+        </p:style>
+        <p:txBody>
+          <a:bodyPr rtlCol="0" anchor="ctr"/>
+          <a:lstStyle/>
+          <a:p>
+            <a:pPr algn="ctr"/>
+            <a:endParaRPr kumimoji="1" lang="ja-JP" altLang="en-US" sz="2400"/>
+          </a:p>
+        </p:txBody>
+      </p:sp>
+      <p:sp>
+        <p:nvSpPr>
+          <p:cNvPr id="42" name="円/楕円 41">
+            <a:extLst>
+              <a:ext uri="{FF2B5EF4-FFF2-40B4-BE49-F238E27FC236}">
+                <a16:creationId xmlns:a16="http://schemas.microsoft.com/office/drawing/2014/main" id="{1F0C80B7-67B9-F12F-33E2-11C6B3FA3F82}"/>
+              </a:ext>
+            </a:extLst>
+          </p:cNvPr>
+          <p:cNvSpPr/>
+          <p:nvPr/>
+        </p:nvSpPr>
+        <p:spPr>
+          <a:xfrm>
+            <a:off x="729277" y="4810703"/>
+            <a:ext cx="216000" cy="216000"/>
+          </a:xfrm>
+          <a:prstGeom prst="ellipse">
+            <a:avLst/>
+          </a:prstGeom>
+          <a:solidFill>
+            <a:schemeClr val="tx1"/>
+          </a:solidFill>
+          <a:ln>
+            <a:solidFill>
+              <a:schemeClr val="tx1"/>
+            </a:solidFill>
+          </a:ln>
+        </p:spPr>
+        <p:style>
+          <a:lnRef idx="1">
+            <a:schemeClr val="accent1"/>
+          </a:lnRef>
+          <a:fillRef idx="0">
+            <a:schemeClr val="accent1"/>
+          </a:fillRef>
+          <a:effectRef idx="0">
+            <a:schemeClr val="accent1"/>
+          </a:effectRef>
+          <a:fontRef idx="minor">
+            <a:schemeClr val="tx1"/>
+          </a:fontRef>
+        </p:style>
+        <p:txBody>
+          <a:bodyPr rtlCol="0" anchor="ctr"/>
+          <a:lstStyle/>
+          <a:p>
+            <a:pPr algn="ctr"/>
+            <a:endParaRPr kumimoji="1" lang="ja-JP" altLang="en-US" sz="2400"/>
+          </a:p>
+        </p:txBody>
+      </p:sp>
+      <p:sp>
+        <p:nvSpPr>
+          <p:cNvPr id="43" name="円/楕円 42">
+            <a:extLst>
+              <a:ext uri="{FF2B5EF4-FFF2-40B4-BE49-F238E27FC236}">
+                <a16:creationId xmlns:a16="http://schemas.microsoft.com/office/drawing/2014/main" id="{561DA519-F0B2-CBC1-7E4B-2AF99D7AE856}"/>
+              </a:ext>
+            </a:extLst>
+          </p:cNvPr>
+          <p:cNvSpPr/>
+          <p:nvPr/>
+        </p:nvSpPr>
+        <p:spPr>
+          <a:xfrm>
+            <a:off x="2169461" y="4450662"/>
+            <a:ext cx="216000" cy="216000"/>
+          </a:xfrm>
+          <a:prstGeom prst="ellipse">
+            <a:avLst/>
+          </a:prstGeom>
+          <a:solidFill>
+            <a:schemeClr val="bg1"/>
+          </a:solidFill>
+          <a:ln>
+            <a:solidFill>
+              <a:schemeClr val="tx1"/>
+            </a:solidFill>
+          </a:ln>
+        </p:spPr>
+        <p:style>
+          <a:lnRef idx="1">
+            <a:schemeClr val="accent1"/>
+          </a:lnRef>
+          <a:fillRef idx="0">
+            <a:schemeClr val="accent1"/>
+          </a:fillRef>
+          <a:effectRef idx="0">
+            <a:schemeClr val="accent1"/>
+          </a:effectRef>
+          <a:fontRef idx="minor">
+            <a:schemeClr val="tx1"/>
+          </a:fontRef>
+        </p:style>
+        <p:txBody>
+          <a:bodyPr rtlCol="0" anchor="ctr"/>
+          <a:lstStyle/>
+          <a:p>
+            <a:pPr algn="ctr"/>
+            <a:endParaRPr kumimoji="1" lang="ja-JP" altLang="en-US" sz="2400"/>
+          </a:p>
+        </p:txBody>
+      </p:sp>
+      <p:sp>
+        <p:nvSpPr>
+          <p:cNvPr id="44" name="テキスト ボックス 43">
+            <a:extLst>
+              <a:ext uri="{FF2B5EF4-FFF2-40B4-BE49-F238E27FC236}">
+                <a16:creationId xmlns:a16="http://schemas.microsoft.com/office/drawing/2014/main" id="{CCF30F27-1199-2114-82DF-B8E58D7F4D20}"/>
+              </a:ext>
+            </a:extLst>
+          </p:cNvPr>
+          <p:cNvSpPr txBox="1"/>
+          <p:nvPr/>
+        </p:nvSpPr>
+        <p:spPr>
+          <a:xfrm>
+            <a:off x="2321191" y="4293955"/>
+            <a:ext cx="499195" cy="529414"/>
+          </a:xfrm>
+          <a:prstGeom prst="rect">
+            <a:avLst/>
+          </a:prstGeom>
+          <a:noFill/>
+        </p:spPr>
+        <p:txBody>
+          <a:bodyPr wrap="none" rtlCol="0">
+            <a:spAutoFit/>
+          </a:bodyPr>
+          <a:lstStyle/>
+          <a:p>
+            <a:r>
+              <a:rPr kumimoji="1" lang="en-US" altLang="ja-JP" sz="2400" b="1" i="1">
+                <a:latin typeface="Times New Roman" panose="02020603050405020304" pitchFamily="18" charset="0"/>
+                <a:cs typeface="Times New Roman" panose="02020603050405020304" pitchFamily="18" charset="0"/>
+              </a:rPr>
+              <a:t>T</a:t>
+            </a:r>
+            <a:r>
+              <a:rPr kumimoji="1" lang="en-US" altLang="ja-JP" sz="2400" b="1" i="1" baseline="-25000">
+                <a:latin typeface="Times New Roman" panose="02020603050405020304" pitchFamily="18" charset="0"/>
+                <a:cs typeface="Times New Roman" panose="02020603050405020304" pitchFamily="18" charset="0"/>
+              </a:rPr>
+              <a:t>c</a:t>
+            </a:r>
+            <a:endParaRPr kumimoji="1" lang="ja-JP" altLang="en-US" sz="2400" baseline="-25000">
+              <a:latin typeface="Times New Roman" panose="02020603050405020304" pitchFamily="18" charset="0"/>
+              <a:cs typeface="Times New Roman" panose="02020603050405020304" pitchFamily="18" charset="0"/>
+            </a:endParaRPr>
+          </a:p>
+        </p:txBody>
+      </p:sp>
+      <p:sp>
+        <p:nvSpPr>
+          <p:cNvPr id="45" name="テキスト ボックス 44">
+            <a:extLst>
+              <a:ext uri="{FF2B5EF4-FFF2-40B4-BE49-F238E27FC236}">
+                <a16:creationId xmlns:a16="http://schemas.microsoft.com/office/drawing/2014/main" id="{CDFF2B6C-E758-A7B7-81CE-08B224894225}"/>
+              </a:ext>
+            </a:extLst>
+          </p:cNvPr>
+          <p:cNvSpPr txBox="1"/>
+          <p:nvPr/>
+        </p:nvSpPr>
+        <p:spPr>
+          <a:xfrm>
+            <a:off x="1814888" y="4676003"/>
+            <a:ext cx="418513" cy="461665"/>
+          </a:xfrm>
+          <a:prstGeom prst="rect">
+            <a:avLst/>
+          </a:prstGeom>
+          <a:noFill/>
+        </p:spPr>
+        <p:txBody>
+          <a:bodyPr wrap="none" rtlCol="0">
+            <a:spAutoFit/>
+          </a:bodyPr>
+          <a:lstStyle/>
+          <a:p>
+            <a:r>
+              <a:rPr kumimoji="1" lang="en-US" altLang="ja-JP" sz="2400" b="1" i="1">
+                <a:latin typeface="Times New Roman" panose="02020603050405020304" pitchFamily="18" charset="0"/>
+                <a:cs typeface="Times New Roman" panose="02020603050405020304" pitchFamily="18" charset="0"/>
+              </a:rPr>
+              <a:t>T</a:t>
+            </a:r>
+            <a:r>
+              <a:rPr lang="en-US" altLang="ja-JP" sz="2400" b="1" i="1" baseline="-25000">
+                <a:latin typeface="Times New Roman" panose="02020603050405020304" pitchFamily="18" charset="0"/>
+                <a:cs typeface="Times New Roman" panose="02020603050405020304" pitchFamily="18" charset="0"/>
+              </a:rPr>
+              <a:t>i</a:t>
+            </a:r>
+            <a:endParaRPr kumimoji="1" lang="ja-JP" altLang="en-US" sz="2400" baseline="-25000">
+              <a:latin typeface="Times New Roman" panose="02020603050405020304" pitchFamily="18" charset="0"/>
+              <a:cs typeface="Times New Roman" panose="02020603050405020304" pitchFamily="18" charset="0"/>
+            </a:endParaRPr>
+          </a:p>
+        </p:txBody>
+      </p:sp>
+      <p:sp>
+        <p:nvSpPr>
+          <p:cNvPr id="47" name="円/楕円 46">
+            <a:extLst>
+              <a:ext uri="{FF2B5EF4-FFF2-40B4-BE49-F238E27FC236}">
+                <a16:creationId xmlns:a16="http://schemas.microsoft.com/office/drawing/2014/main" id="{D8BEFFDB-F421-2F0A-AF86-097DE5EF4EE3}"/>
+              </a:ext>
+            </a:extLst>
+          </p:cNvPr>
+          <p:cNvSpPr/>
+          <p:nvPr/>
+        </p:nvSpPr>
+        <p:spPr>
+          <a:xfrm>
+            <a:off x="1017333" y="4810678"/>
+            <a:ext cx="216000" cy="216000"/>
+          </a:xfrm>
+          <a:prstGeom prst="ellipse">
+            <a:avLst/>
+          </a:prstGeom>
+          <a:solidFill>
+            <a:schemeClr val="tx1"/>
+          </a:solidFill>
+          <a:ln>
+            <a:solidFill>
+              <a:schemeClr val="tx1"/>
+            </a:solidFill>
+          </a:ln>
+        </p:spPr>
+        <p:style>
+          <a:lnRef idx="1">
+            <a:schemeClr val="accent1"/>
+          </a:lnRef>
+          <a:fillRef idx="0">
+            <a:schemeClr val="accent1"/>
+          </a:fillRef>
+          <a:effectRef idx="0">
+            <a:schemeClr val="accent1"/>
+          </a:effectRef>
+          <a:fontRef idx="minor">
+            <a:schemeClr val="tx1"/>
+          </a:fontRef>
+        </p:style>
+        <p:txBody>
+          <a:bodyPr rtlCol="0" anchor="ctr"/>
+          <a:lstStyle/>
+          <a:p>
+            <a:pPr algn="ctr"/>
+            <a:endParaRPr kumimoji="1" lang="ja-JP" altLang="en-US" sz="2400"/>
+          </a:p>
+        </p:txBody>
+      </p:sp>
+      <p:sp>
+        <p:nvSpPr>
+          <p:cNvPr id="48" name="円/楕円 47">
+            <a:extLst>
+              <a:ext uri="{FF2B5EF4-FFF2-40B4-BE49-F238E27FC236}">
+                <a16:creationId xmlns:a16="http://schemas.microsoft.com/office/drawing/2014/main" id="{A45E35EC-CDFC-57F4-B05A-D690EBA9EB5C}"/>
+              </a:ext>
+            </a:extLst>
+          </p:cNvPr>
+          <p:cNvSpPr/>
+          <p:nvPr/>
+        </p:nvSpPr>
+        <p:spPr>
+          <a:xfrm>
+            <a:off x="1305389" y="4810653"/>
+            <a:ext cx="216000" cy="216000"/>
+          </a:xfrm>
+          <a:prstGeom prst="ellipse">
+            <a:avLst/>
+          </a:prstGeom>
+          <a:solidFill>
+            <a:schemeClr val="tx1"/>
+          </a:solidFill>
+          <a:ln>
+            <a:solidFill>
+              <a:schemeClr val="tx1"/>
+            </a:solidFill>
+          </a:ln>
+        </p:spPr>
+        <p:style>
+          <a:lnRef idx="1">
+            <a:schemeClr val="accent1"/>
+          </a:lnRef>
+          <a:fillRef idx="0">
+            <a:schemeClr val="accent1"/>
+          </a:fillRef>
+          <a:effectRef idx="0">
+            <a:schemeClr val="accent1"/>
+          </a:effectRef>
+          <a:fontRef idx="minor">
+            <a:schemeClr val="tx1"/>
+          </a:fontRef>
+        </p:style>
+        <p:txBody>
+          <a:bodyPr rtlCol="0" anchor="ctr"/>
+          <a:lstStyle/>
+          <a:p>
+            <a:pPr algn="ctr"/>
+            <a:endParaRPr kumimoji="1" lang="ja-JP" altLang="en-US" sz="2400"/>
+          </a:p>
+        </p:txBody>
+      </p:sp>
+      <p:sp>
+        <p:nvSpPr>
+          <p:cNvPr id="49" name="テキスト ボックス 48">
+            <a:extLst>
+              <a:ext uri="{FF2B5EF4-FFF2-40B4-BE49-F238E27FC236}">
+                <a16:creationId xmlns:a16="http://schemas.microsoft.com/office/drawing/2014/main" id="{FFCBD935-1DB6-9D55-171E-76CEB6A6209F}"/>
+              </a:ext>
+            </a:extLst>
+          </p:cNvPr>
+          <p:cNvSpPr txBox="1"/>
+          <p:nvPr/>
+        </p:nvSpPr>
+        <p:spPr>
+          <a:xfrm>
+            <a:off x="1542357" y="4727860"/>
+            <a:ext cx="377026" cy="369332"/>
+          </a:xfrm>
+          <a:prstGeom prst="rect">
+            <a:avLst/>
+          </a:prstGeom>
+          <a:noFill/>
+        </p:spPr>
+        <p:txBody>
+          <a:bodyPr wrap="none" rtlCol="0">
+            <a:spAutoFit/>
+          </a:bodyPr>
+          <a:lstStyle/>
+          <a:p>
+            <a:r>
+              <a:rPr kumimoji="1" lang="en-US" altLang="ja-JP"/>
+              <a:t>...</a:t>
+            </a:r>
+            <a:endParaRPr kumimoji="1" lang="ja-JP" altLang="en-US"/>
+          </a:p>
+        </p:txBody>
+      </p:sp>
+      <p:sp>
+        <p:nvSpPr>
+          <p:cNvPr id="51" name="正方形/長方形 50">
+            <a:extLst>
+              <a:ext uri="{FF2B5EF4-FFF2-40B4-BE49-F238E27FC236}">
+                <a16:creationId xmlns:a16="http://schemas.microsoft.com/office/drawing/2014/main" id="{27FA68A1-E226-CEDF-A49E-93C5CC3E3695}"/>
+              </a:ext>
+            </a:extLst>
+          </p:cNvPr>
+          <p:cNvSpPr/>
+          <p:nvPr/>
+        </p:nvSpPr>
+        <p:spPr>
+          <a:xfrm>
+            <a:off x="6225964" y="2996532"/>
+            <a:ext cx="2462324" cy="864516"/>
+          </a:xfrm>
+          <a:prstGeom prst="rect">
+            <a:avLst/>
+          </a:prstGeom>
+          <a:solidFill>
+            <a:schemeClr val="bg1">
+              <a:lumMod val="85000"/>
+            </a:schemeClr>
+          </a:solidFill>
+          <a:ln>
+            <a:noFill/>
+            <a:prstDash val="dash"/>
+            <a:headEnd type="none"/>
+            <a:tailEnd type="none"/>
+          </a:ln>
+        </p:spPr>
+        <p:style>
+          <a:lnRef idx="1">
+            <a:schemeClr val="accent1"/>
+          </a:lnRef>
+          <a:fillRef idx="0">
+            <a:schemeClr val="accent1"/>
+          </a:fillRef>
+          <a:effectRef idx="0">
+            <a:schemeClr val="accent1"/>
+          </a:effectRef>
+          <a:fontRef idx="minor">
+            <a:schemeClr val="tx1"/>
+          </a:fontRef>
+        </p:style>
+        <p:txBody>
+          <a:bodyPr rtlCol="0" anchor="ctr"/>
+          <a:lstStyle/>
+          <a:p>
+            <a:pPr algn="ctr"/>
+            <a:endParaRPr kumimoji="1" lang="ja-JP" altLang="en-US" sz="2400"/>
+          </a:p>
+        </p:txBody>
+      </p:sp>
+      <p:sp>
+        <p:nvSpPr>
+          <p:cNvPr id="53" name="円/楕円 52">
+            <a:extLst>
+              <a:ext uri="{FF2B5EF4-FFF2-40B4-BE49-F238E27FC236}">
+                <a16:creationId xmlns:a16="http://schemas.microsoft.com/office/drawing/2014/main" id="{95C92F02-4471-C4A5-2659-941FD3D76931}"/>
+              </a:ext>
+            </a:extLst>
+          </p:cNvPr>
+          <p:cNvSpPr/>
+          <p:nvPr/>
+        </p:nvSpPr>
+        <p:spPr>
+          <a:xfrm>
+            <a:off x="6400695" y="3456993"/>
+            <a:ext cx="216000" cy="216000"/>
+          </a:xfrm>
+          <a:prstGeom prst="ellipse">
+            <a:avLst/>
+          </a:prstGeom>
+          <a:solidFill>
+            <a:schemeClr val="tx1"/>
+          </a:solidFill>
+          <a:ln>
+            <a:solidFill>
+              <a:schemeClr val="tx1"/>
+            </a:solidFill>
+          </a:ln>
+        </p:spPr>
+        <p:style>
+          <a:lnRef idx="1">
+            <a:schemeClr val="accent1"/>
+          </a:lnRef>
+          <a:fillRef idx="0">
+            <a:schemeClr val="accent1"/>
+          </a:fillRef>
+          <a:effectRef idx="0">
+            <a:schemeClr val="accent1"/>
+          </a:effectRef>
+          <a:fontRef idx="minor">
+            <a:schemeClr val="tx1"/>
+          </a:fontRef>
+        </p:style>
+        <p:txBody>
+          <a:bodyPr rtlCol="0" anchor="ctr"/>
+          <a:lstStyle/>
+          <a:p>
+            <a:pPr algn="ctr"/>
+            <a:endParaRPr kumimoji="1" lang="ja-JP" altLang="en-US" sz="2400"/>
+          </a:p>
+        </p:txBody>
+      </p:sp>
+      <p:sp>
+        <p:nvSpPr>
+          <p:cNvPr id="54" name="円/楕円 53">
+            <a:extLst>
+              <a:ext uri="{FF2B5EF4-FFF2-40B4-BE49-F238E27FC236}">
+                <a16:creationId xmlns:a16="http://schemas.microsoft.com/office/drawing/2014/main" id="{16422C97-C441-B044-6214-346893CA622B}"/>
+              </a:ext>
+            </a:extLst>
+          </p:cNvPr>
+          <p:cNvSpPr/>
+          <p:nvPr/>
+        </p:nvSpPr>
+        <p:spPr>
+          <a:xfrm>
+            <a:off x="7840879" y="3096952"/>
+            <a:ext cx="216000" cy="216000"/>
+          </a:xfrm>
+          <a:prstGeom prst="ellipse">
+            <a:avLst/>
+          </a:prstGeom>
+          <a:solidFill>
+            <a:schemeClr val="bg1"/>
+          </a:solidFill>
+          <a:ln>
+            <a:solidFill>
+              <a:schemeClr val="tx1"/>
+            </a:solidFill>
+          </a:ln>
+        </p:spPr>
+        <p:style>
+          <a:lnRef idx="1">
+            <a:schemeClr val="accent1"/>
+          </a:lnRef>
+          <a:fillRef idx="0">
+            <a:schemeClr val="accent1"/>
+          </a:fillRef>
+          <a:effectRef idx="0">
+            <a:schemeClr val="accent1"/>
+          </a:effectRef>
+          <a:fontRef idx="minor">
+            <a:schemeClr val="tx1"/>
+          </a:fontRef>
+        </p:style>
+        <p:txBody>
+          <a:bodyPr rtlCol="0" anchor="ctr"/>
+          <a:lstStyle/>
+          <a:p>
+            <a:pPr algn="ctr"/>
+            <a:endParaRPr kumimoji="1" lang="ja-JP" altLang="en-US" sz="2400"/>
+          </a:p>
+        </p:txBody>
+      </p:sp>
+      <p:sp>
+        <p:nvSpPr>
+          <p:cNvPr id="56" name="テキスト ボックス 55">
+            <a:extLst>
+              <a:ext uri="{FF2B5EF4-FFF2-40B4-BE49-F238E27FC236}">
+                <a16:creationId xmlns:a16="http://schemas.microsoft.com/office/drawing/2014/main" id="{79B73B5C-53F0-6BEA-45FF-82C38332E88C}"/>
+              </a:ext>
+            </a:extLst>
+          </p:cNvPr>
+          <p:cNvSpPr txBox="1"/>
+          <p:nvPr/>
+        </p:nvSpPr>
+        <p:spPr>
+          <a:xfrm>
+            <a:off x="7992609" y="2940245"/>
+            <a:ext cx="499195" cy="529414"/>
+          </a:xfrm>
+          <a:prstGeom prst="rect">
+            <a:avLst/>
+          </a:prstGeom>
+          <a:noFill/>
+        </p:spPr>
+        <p:txBody>
+          <a:bodyPr wrap="none" rtlCol="0">
+            <a:spAutoFit/>
+          </a:bodyPr>
+          <a:lstStyle/>
+          <a:p>
+            <a:r>
+              <a:rPr kumimoji="1" lang="en-US" altLang="ja-JP" sz="2400" b="1" i="1">
+                <a:latin typeface="Times New Roman" panose="02020603050405020304" pitchFamily="18" charset="0"/>
+                <a:cs typeface="Times New Roman" panose="02020603050405020304" pitchFamily="18" charset="0"/>
+              </a:rPr>
+              <a:t>T</a:t>
+            </a:r>
+            <a:r>
+              <a:rPr kumimoji="1" lang="en-US" altLang="ja-JP" sz="2400" b="1" i="1" baseline="-25000">
+                <a:latin typeface="Times New Roman" panose="02020603050405020304" pitchFamily="18" charset="0"/>
+                <a:cs typeface="Times New Roman" panose="02020603050405020304" pitchFamily="18" charset="0"/>
+              </a:rPr>
+              <a:t>c</a:t>
+            </a:r>
+            <a:endParaRPr kumimoji="1" lang="ja-JP" altLang="en-US" sz="2400" baseline="-25000">
+              <a:latin typeface="Times New Roman" panose="02020603050405020304" pitchFamily="18" charset="0"/>
+              <a:cs typeface="Times New Roman" panose="02020603050405020304" pitchFamily="18" charset="0"/>
+            </a:endParaRPr>
+          </a:p>
+        </p:txBody>
+      </p:sp>
+      <p:sp>
+        <p:nvSpPr>
+          <p:cNvPr id="57" name="テキスト ボックス 56">
+            <a:extLst>
+              <a:ext uri="{FF2B5EF4-FFF2-40B4-BE49-F238E27FC236}">
+                <a16:creationId xmlns:a16="http://schemas.microsoft.com/office/drawing/2014/main" id="{498F6F24-A975-6633-08E8-318ADCADF9E1}"/>
+              </a:ext>
+            </a:extLst>
+          </p:cNvPr>
+          <p:cNvSpPr txBox="1"/>
+          <p:nvPr/>
+        </p:nvSpPr>
+        <p:spPr>
+          <a:xfrm>
+            <a:off x="7486306" y="3322293"/>
+            <a:ext cx="418513" cy="461665"/>
+          </a:xfrm>
+          <a:prstGeom prst="rect">
+            <a:avLst/>
+          </a:prstGeom>
+          <a:noFill/>
+        </p:spPr>
+        <p:txBody>
+          <a:bodyPr wrap="none" rtlCol="0">
+            <a:spAutoFit/>
+          </a:bodyPr>
+          <a:lstStyle/>
+          <a:p>
+            <a:r>
+              <a:rPr kumimoji="1" lang="en-US" altLang="ja-JP" sz="2400" b="1" i="1">
+                <a:latin typeface="Times New Roman" panose="02020603050405020304" pitchFamily="18" charset="0"/>
+                <a:cs typeface="Times New Roman" panose="02020603050405020304" pitchFamily="18" charset="0"/>
+              </a:rPr>
+              <a:t>T</a:t>
+            </a:r>
+            <a:r>
+              <a:rPr lang="en-US" altLang="ja-JP" sz="2400" b="1" i="1" baseline="-25000">
+                <a:latin typeface="Times New Roman" panose="02020603050405020304" pitchFamily="18" charset="0"/>
+                <a:cs typeface="Times New Roman" panose="02020603050405020304" pitchFamily="18" charset="0"/>
+              </a:rPr>
+              <a:t>i</a:t>
+            </a:r>
+            <a:endParaRPr kumimoji="1" lang="ja-JP" altLang="en-US" sz="2400" baseline="-25000">
+              <a:latin typeface="Times New Roman" panose="02020603050405020304" pitchFamily="18" charset="0"/>
+              <a:cs typeface="Times New Roman" panose="02020603050405020304" pitchFamily="18" charset="0"/>
+            </a:endParaRPr>
+          </a:p>
+        </p:txBody>
+      </p:sp>
+      <p:sp>
+        <p:nvSpPr>
+          <p:cNvPr id="58" name="円/楕円 57">
+            <a:extLst>
+              <a:ext uri="{FF2B5EF4-FFF2-40B4-BE49-F238E27FC236}">
+                <a16:creationId xmlns:a16="http://schemas.microsoft.com/office/drawing/2014/main" id="{B33D390D-A435-0AAF-FBDC-9976CC7D3405}"/>
+              </a:ext>
+            </a:extLst>
+          </p:cNvPr>
+          <p:cNvSpPr/>
+          <p:nvPr/>
+        </p:nvSpPr>
+        <p:spPr>
+          <a:xfrm>
+            <a:off x="6688751" y="3456968"/>
+            <a:ext cx="216000" cy="216000"/>
+          </a:xfrm>
+          <a:prstGeom prst="ellipse">
+            <a:avLst/>
+          </a:prstGeom>
+          <a:solidFill>
+            <a:schemeClr val="tx1"/>
+          </a:solidFill>
+          <a:ln>
+            <a:solidFill>
+              <a:schemeClr val="tx1"/>
+            </a:solidFill>
+          </a:ln>
+        </p:spPr>
+        <p:style>
+          <a:lnRef idx="1">
+            <a:schemeClr val="accent1"/>
+          </a:lnRef>
+          <a:fillRef idx="0">
+            <a:schemeClr val="accent1"/>
+          </a:fillRef>
+          <a:effectRef idx="0">
+            <a:schemeClr val="accent1"/>
+          </a:effectRef>
+          <a:fontRef idx="minor">
+            <a:schemeClr val="tx1"/>
+          </a:fontRef>
+        </p:style>
+        <p:txBody>
+          <a:bodyPr rtlCol="0" anchor="ctr"/>
+          <a:lstStyle/>
+          <a:p>
+            <a:pPr algn="ctr"/>
+            <a:endParaRPr kumimoji="1" lang="ja-JP" altLang="en-US" sz="2400"/>
+          </a:p>
+        </p:txBody>
+      </p:sp>
+      <p:sp>
+        <p:nvSpPr>
+          <p:cNvPr id="59" name="円/楕円 58">
+            <a:extLst>
+              <a:ext uri="{FF2B5EF4-FFF2-40B4-BE49-F238E27FC236}">
+                <a16:creationId xmlns:a16="http://schemas.microsoft.com/office/drawing/2014/main" id="{A8FB85AB-880F-9976-C81D-2A9F99818B2D}"/>
+              </a:ext>
+            </a:extLst>
+          </p:cNvPr>
+          <p:cNvSpPr/>
+          <p:nvPr/>
+        </p:nvSpPr>
+        <p:spPr>
+          <a:xfrm>
+            <a:off x="6976807" y="3456943"/>
+            <a:ext cx="216000" cy="216000"/>
+          </a:xfrm>
+          <a:prstGeom prst="ellipse">
+            <a:avLst/>
+          </a:prstGeom>
+          <a:solidFill>
+            <a:schemeClr val="tx1"/>
+          </a:solidFill>
+          <a:ln>
+            <a:solidFill>
+              <a:schemeClr val="tx1"/>
+            </a:solidFill>
+          </a:ln>
+        </p:spPr>
+        <p:style>
+          <a:lnRef idx="1">
+            <a:schemeClr val="accent1"/>
+          </a:lnRef>
+          <a:fillRef idx="0">
+            <a:schemeClr val="accent1"/>
+          </a:fillRef>
+          <a:effectRef idx="0">
+            <a:schemeClr val="accent1"/>
+          </a:effectRef>
+          <a:fontRef idx="minor">
+            <a:schemeClr val="tx1"/>
+          </a:fontRef>
+        </p:style>
+        <p:txBody>
+          <a:bodyPr rtlCol="0" anchor="ctr"/>
+          <a:lstStyle/>
+          <a:p>
+            <a:pPr algn="ctr"/>
+            <a:endParaRPr kumimoji="1" lang="ja-JP" altLang="en-US" sz="2400"/>
+          </a:p>
+        </p:txBody>
+      </p:sp>
+      <p:sp>
+        <p:nvSpPr>
+          <p:cNvPr id="61" name="テキスト ボックス 60">
+            <a:extLst>
+              <a:ext uri="{FF2B5EF4-FFF2-40B4-BE49-F238E27FC236}">
+                <a16:creationId xmlns:a16="http://schemas.microsoft.com/office/drawing/2014/main" id="{F29C1DB0-B4A1-A201-84EA-224EC42030DF}"/>
+              </a:ext>
+            </a:extLst>
+          </p:cNvPr>
+          <p:cNvSpPr txBox="1"/>
+          <p:nvPr/>
+        </p:nvSpPr>
+        <p:spPr>
+          <a:xfrm>
+            <a:off x="7213775" y="3374150"/>
+            <a:ext cx="377026" cy="369332"/>
+          </a:xfrm>
+          <a:prstGeom prst="rect">
+            <a:avLst/>
+          </a:prstGeom>
+          <a:noFill/>
+        </p:spPr>
+        <p:txBody>
+          <a:bodyPr wrap="none" rtlCol="0">
+            <a:spAutoFit/>
+          </a:bodyPr>
+          <a:lstStyle/>
+          <a:p>
+            <a:r>
+              <a:rPr kumimoji="1" lang="en-US" altLang="ja-JP"/>
+              <a:t>...</a:t>
+            </a:r>
+            <a:endParaRPr kumimoji="1" lang="ja-JP" altLang="en-US"/>
+          </a:p>
+        </p:txBody>
+      </p:sp>
+      <p:cxnSp>
+        <p:nvCxnSpPr>
+          <p:cNvPr id="62" name="直線矢印コネクタ 61">
+            <a:extLst>
+              <a:ext uri="{FF2B5EF4-FFF2-40B4-BE49-F238E27FC236}">
+                <a16:creationId xmlns:a16="http://schemas.microsoft.com/office/drawing/2014/main" id="{32A73107-8E0F-6E3B-3C76-57A6744F58D3}"/>
+              </a:ext>
+            </a:extLst>
+          </p:cNvPr>
+          <p:cNvCxnSpPr>
+            <a:cxnSpLocks/>
+            <a:stCxn id="64" idx="2"/>
+            <a:endCxn id="31" idx="0"/>
+          </p:cNvCxnSpPr>
+          <p:nvPr/>
+        </p:nvCxnSpPr>
+        <p:spPr>
+          <a:xfrm flipH="1">
+            <a:off x="3325273" y="2564904"/>
+            <a:ext cx="2237375" cy="460411"/>
+          </a:xfrm>
+          <a:prstGeom prst="straightConnector1">
+            <a:avLst/>
+          </a:prstGeom>
+          <a:ln w="38100">
+            <a:solidFill>
+              <a:schemeClr val="bg1">
+                <a:lumMod val="75000"/>
+              </a:schemeClr>
+            </a:solidFill>
+            <a:headEnd type="oval"/>
+            <a:tailEnd type="oval"/>
+          </a:ln>
+        </p:spPr>
+        <p:style>
+          <a:lnRef idx="1">
+            <a:schemeClr val="accent1"/>
+          </a:lnRef>
+          <a:fillRef idx="0">
+            <a:schemeClr val="accent1"/>
+          </a:fillRef>
+          <a:effectRef idx="0">
+            <a:schemeClr val="accent1"/>
+          </a:effectRef>
+          <a:fontRef idx="minor">
+            <a:schemeClr val="tx1"/>
+          </a:fontRef>
+        </p:style>
+      </p:cxnSp>
+      <p:cxnSp>
+        <p:nvCxnSpPr>
+          <p:cNvPr id="68" name="直線矢印コネクタ 67">
+            <a:extLst>
+              <a:ext uri="{FF2B5EF4-FFF2-40B4-BE49-F238E27FC236}">
+                <a16:creationId xmlns:a16="http://schemas.microsoft.com/office/drawing/2014/main" id="{E69C09CD-A066-5042-73CC-DEE45E4B3922}"/>
+              </a:ext>
+            </a:extLst>
+          </p:cNvPr>
+          <p:cNvCxnSpPr>
+            <a:cxnSpLocks/>
+            <a:stCxn id="64" idx="2"/>
+            <a:endCxn id="51" idx="0"/>
+          </p:cNvCxnSpPr>
+          <p:nvPr/>
+        </p:nvCxnSpPr>
+        <p:spPr>
+          <a:xfrm>
+            <a:off x="5562648" y="2564904"/>
+            <a:ext cx="1894478" cy="431628"/>
+          </a:xfrm>
+          <a:prstGeom prst="straightConnector1">
+            <a:avLst/>
+          </a:prstGeom>
+          <a:ln w="38100">
+            <a:solidFill>
+              <a:schemeClr val="bg1">
+                <a:lumMod val="75000"/>
+              </a:schemeClr>
+            </a:solidFill>
+            <a:headEnd type="oval"/>
+            <a:tailEnd type="oval"/>
+          </a:ln>
+        </p:spPr>
+        <p:style>
+          <a:lnRef idx="1">
+            <a:schemeClr val="accent1"/>
+          </a:lnRef>
+          <a:fillRef idx="0">
+            <a:schemeClr val="accent1"/>
+          </a:fillRef>
+          <a:effectRef idx="0">
+            <a:schemeClr val="accent1"/>
+          </a:effectRef>
+          <a:fontRef idx="minor">
+            <a:schemeClr val="tx1"/>
+          </a:fontRef>
+        </p:style>
+      </p:cxnSp>
+      <p:cxnSp>
+        <p:nvCxnSpPr>
+          <p:cNvPr id="71" name="直線矢印コネクタ 70">
+            <a:extLst>
+              <a:ext uri="{FF2B5EF4-FFF2-40B4-BE49-F238E27FC236}">
+                <a16:creationId xmlns:a16="http://schemas.microsoft.com/office/drawing/2014/main" id="{BBCC3031-681F-EED2-0C85-73E86A9B2D7C}"/>
+              </a:ext>
+            </a:extLst>
+          </p:cNvPr>
+          <p:cNvCxnSpPr>
+            <a:cxnSpLocks/>
+            <a:stCxn id="31" idx="2"/>
+            <a:endCxn id="41" idx="0"/>
+          </p:cNvCxnSpPr>
+          <p:nvPr/>
+        </p:nvCxnSpPr>
+        <p:spPr>
+          <a:xfrm flipH="1">
+            <a:off x="1785708" y="3889831"/>
+            <a:ext cx="1539565" cy="460411"/>
+          </a:xfrm>
+          <a:prstGeom prst="straightConnector1">
+            <a:avLst/>
+          </a:prstGeom>
+          <a:ln w="38100">
+            <a:solidFill>
+              <a:schemeClr val="bg1">
+                <a:lumMod val="75000"/>
+              </a:schemeClr>
+            </a:solidFill>
+            <a:headEnd type="oval"/>
+            <a:tailEnd type="oval"/>
+          </a:ln>
+        </p:spPr>
+        <p:style>
+          <a:lnRef idx="1">
+            <a:schemeClr val="accent1"/>
+          </a:lnRef>
+          <a:fillRef idx="0">
+            <a:schemeClr val="accent1"/>
+          </a:fillRef>
+          <a:effectRef idx="0">
+            <a:schemeClr val="accent1"/>
+          </a:effectRef>
+          <a:fontRef idx="minor">
+            <a:schemeClr val="tx1"/>
+          </a:fontRef>
+        </p:style>
+      </p:cxnSp>
+      <p:cxnSp>
+        <p:nvCxnSpPr>
+          <p:cNvPr id="74" name="直線矢印コネクタ 73">
+            <a:extLst>
+              <a:ext uri="{FF2B5EF4-FFF2-40B4-BE49-F238E27FC236}">
+                <a16:creationId xmlns:a16="http://schemas.microsoft.com/office/drawing/2014/main" id="{D6450F73-9222-FABB-D494-C282B2BBBC5A}"/>
+              </a:ext>
+            </a:extLst>
+          </p:cNvPr>
+          <p:cNvCxnSpPr>
+            <a:cxnSpLocks/>
+            <a:stCxn id="64" idx="2"/>
+          </p:cNvCxnSpPr>
+          <p:nvPr/>
+        </p:nvCxnSpPr>
+        <p:spPr>
+          <a:xfrm>
+            <a:off x="5562648" y="2564904"/>
+            <a:ext cx="4409705" cy="473723"/>
+          </a:xfrm>
+          <a:prstGeom prst="straightConnector1">
+            <a:avLst/>
+          </a:prstGeom>
+          <a:ln w="38100">
+            <a:solidFill>
+              <a:schemeClr val="bg1">
+                <a:lumMod val="75000"/>
+              </a:schemeClr>
+            </a:solidFill>
+            <a:headEnd type="oval"/>
+            <a:tailEnd type="oval"/>
+          </a:ln>
+        </p:spPr>
+        <p:style>
+          <a:lnRef idx="1">
+            <a:schemeClr val="accent1"/>
+          </a:lnRef>
+          <a:fillRef idx="0">
+            <a:schemeClr val="accent1"/>
+          </a:fillRef>
+          <a:effectRef idx="0">
+            <a:schemeClr val="accent1"/>
+          </a:effectRef>
+          <a:fontRef idx="minor">
+            <a:schemeClr val="tx1"/>
+          </a:fontRef>
+        </p:style>
+      </p:cxnSp>
+      <p:sp>
+        <p:nvSpPr>
+          <p:cNvPr id="77" name="テキスト ボックス 76">
+            <a:extLst>
+              <a:ext uri="{FF2B5EF4-FFF2-40B4-BE49-F238E27FC236}">
+                <a16:creationId xmlns:a16="http://schemas.microsoft.com/office/drawing/2014/main" id="{F2BFE9DC-1A22-364D-FB1E-B4834BA51120}"/>
+              </a:ext>
+            </a:extLst>
+          </p:cNvPr>
+          <p:cNvSpPr txBox="1"/>
+          <p:nvPr/>
+        </p:nvSpPr>
+        <p:spPr>
+          <a:xfrm>
+            <a:off x="9528502" y="3013389"/>
+            <a:ext cx="569387" cy="646331"/>
+          </a:xfrm>
+          <a:prstGeom prst="rect">
+            <a:avLst/>
+          </a:prstGeom>
+          <a:noFill/>
+        </p:spPr>
+        <p:txBody>
+          <a:bodyPr wrap="none" rtlCol="0">
+            <a:spAutoFit/>
+          </a:bodyPr>
+          <a:lstStyle/>
+          <a:p>
+            <a:r>
+              <a:rPr kumimoji="1" lang="en-US" altLang="ja-JP" sz="3600"/>
+              <a:t>...</a:t>
+            </a:r>
+            <a:endParaRPr kumimoji="1" lang="ja-JP" altLang="en-US" sz="3600"/>
+          </a:p>
+        </p:txBody>
+      </p:sp>
+      <p:sp>
+        <p:nvSpPr>
+          <p:cNvPr id="81" name="テキスト ボックス 80">
+            <a:extLst>
+              <a:ext uri="{FF2B5EF4-FFF2-40B4-BE49-F238E27FC236}">
+                <a16:creationId xmlns:a16="http://schemas.microsoft.com/office/drawing/2014/main" id="{BA5DAF5A-2CFB-4962-BC59-6C139A6880DF}"/>
+              </a:ext>
+            </a:extLst>
+          </p:cNvPr>
+          <p:cNvSpPr txBox="1"/>
+          <p:nvPr/>
+        </p:nvSpPr>
+        <p:spPr>
+          <a:xfrm>
+            <a:off x="7248200" y="4459334"/>
+            <a:ext cx="569387" cy="646331"/>
+          </a:xfrm>
+          <a:prstGeom prst="rect">
+            <a:avLst/>
+          </a:prstGeom>
+          <a:noFill/>
+        </p:spPr>
+        <p:txBody>
+          <a:bodyPr wrap="none" rtlCol="0">
+            <a:spAutoFit/>
+          </a:bodyPr>
+          <a:lstStyle/>
+          <a:p>
+            <a:r>
+              <a:rPr kumimoji="1" lang="en-US" altLang="ja-JP" sz="3600"/>
+              <a:t>...</a:t>
+            </a:r>
+            <a:endParaRPr kumimoji="1" lang="ja-JP" altLang="en-US" sz="3600"/>
+          </a:p>
+        </p:txBody>
+      </p:sp>
+      <p:cxnSp>
+        <p:nvCxnSpPr>
+          <p:cNvPr id="82" name="直線矢印コネクタ 81">
+            <a:extLst>
+              <a:ext uri="{FF2B5EF4-FFF2-40B4-BE49-F238E27FC236}">
+                <a16:creationId xmlns:a16="http://schemas.microsoft.com/office/drawing/2014/main" id="{F6B16377-E70B-2258-6DB1-D983DC485922}"/>
+              </a:ext>
+            </a:extLst>
+          </p:cNvPr>
+          <p:cNvCxnSpPr>
+            <a:cxnSpLocks/>
+            <a:stCxn id="51" idx="2"/>
+          </p:cNvCxnSpPr>
+          <p:nvPr/>
+        </p:nvCxnSpPr>
+        <p:spPr>
+          <a:xfrm flipH="1">
+            <a:off x="6552449" y="3861048"/>
+            <a:ext cx="904677" cy="489194"/>
+          </a:xfrm>
+          <a:prstGeom prst="straightConnector1">
+            <a:avLst/>
+          </a:prstGeom>
+          <a:ln w="38100">
+            <a:solidFill>
+              <a:schemeClr val="bg1">
+                <a:lumMod val="75000"/>
+              </a:schemeClr>
+            </a:solidFill>
+            <a:headEnd type="oval"/>
+            <a:tailEnd type="oval"/>
+          </a:ln>
+        </p:spPr>
+        <p:style>
+          <a:lnRef idx="1">
+            <a:schemeClr val="accent1"/>
+          </a:lnRef>
+          <a:fillRef idx="0">
+            <a:schemeClr val="accent1"/>
+          </a:fillRef>
+          <a:effectRef idx="0">
+            <a:schemeClr val="accent1"/>
+          </a:effectRef>
+          <a:fontRef idx="minor">
+            <a:schemeClr val="tx1"/>
+          </a:fontRef>
+        </p:style>
+      </p:cxnSp>
+      <p:cxnSp>
+        <p:nvCxnSpPr>
+          <p:cNvPr id="83" name="直線矢印コネクタ 82">
+            <a:extLst>
+              <a:ext uri="{FF2B5EF4-FFF2-40B4-BE49-F238E27FC236}">
+                <a16:creationId xmlns:a16="http://schemas.microsoft.com/office/drawing/2014/main" id="{D9EE21A3-3306-78FE-24F0-672CC288023D}"/>
+              </a:ext>
+            </a:extLst>
+          </p:cNvPr>
+          <p:cNvCxnSpPr>
+            <a:cxnSpLocks/>
+            <a:stCxn id="51" idx="2"/>
+          </p:cNvCxnSpPr>
+          <p:nvPr/>
+        </p:nvCxnSpPr>
+        <p:spPr>
+          <a:xfrm>
+            <a:off x="7457126" y="3861048"/>
+            <a:ext cx="861053" cy="473728"/>
+          </a:xfrm>
+          <a:prstGeom prst="straightConnector1">
+            <a:avLst/>
+          </a:prstGeom>
+          <a:ln w="38100">
+            <a:solidFill>
+              <a:schemeClr val="bg1">
+                <a:lumMod val="75000"/>
+              </a:schemeClr>
+            </a:solidFill>
+            <a:headEnd type="oval"/>
+            <a:tailEnd type="oval"/>
+          </a:ln>
+        </p:spPr>
+        <p:style>
+          <a:lnRef idx="1">
+            <a:schemeClr val="accent1"/>
+          </a:lnRef>
+          <a:fillRef idx="0">
+            <a:schemeClr val="accent1"/>
+          </a:fillRef>
+          <a:effectRef idx="0">
+            <a:schemeClr val="accent1"/>
+          </a:effectRef>
+          <a:fontRef idx="minor">
+            <a:schemeClr val="tx1"/>
+          </a:fontRef>
+        </p:style>
+      </p:cxnSp>
+      <p:sp>
+        <p:nvSpPr>
+          <p:cNvPr id="87" name="円/楕円 86">
+            <a:extLst>
+              <a:ext uri="{FF2B5EF4-FFF2-40B4-BE49-F238E27FC236}">
+                <a16:creationId xmlns:a16="http://schemas.microsoft.com/office/drawing/2014/main" id="{279DA1C3-87D3-0577-8EF7-DC7779961242}"/>
+              </a:ext>
+            </a:extLst>
+          </p:cNvPr>
+          <p:cNvSpPr/>
+          <p:nvPr/>
+        </p:nvSpPr>
+        <p:spPr>
+          <a:xfrm rot="20250100">
+            <a:off x="1670388" y="1468546"/>
+            <a:ext cx="5848649" cy="2297005"/>
+          </a:xfrm>
+          <a:prstGeom prst="ellipse">
+            <a:avLst/>
+          </a:prstGeom>
+          <a:noFill/>
+          <a:ln>
+            <a:solidFill>
+              <a:schemeClr val="bg1">
+                <a:lumMod val="50000"/>
+              </a:schemeClr>
+            </a:solidFill>
+            <a:prstDash val="sysDot"/>
+          </a:ln>
+        </p:spPr>
+        <p:style>
+          <a:lnRef idx="2">
+            <a:schemeClr val="accent1">
+              <a:shade val="15000"/>
+            </a:schemeClr>
+          </a:lnRef>
+          <a:fillRef idx="1">
+            <a:schemeClr val="accent1"/>
+          </a:fillRef>
+          <a:effectRef idx="0">
+            <a:schemeClr val="accent1"/>
+          </a:effectRef>
+          <a:fontRef idx="minor">
+            <a:schemeClr val="lt1"/>
+          </a:fontRef>
+        </p:style>
+        <p:txBody>
+          <a:bodyPr rtlCol="0" anchor="ctr"/>
+          <a:lstStyle/>
+          <a:p>
+            <a:pPr algn="ctr"/>
+            <a:endParaRPr kumimoji="1" lang="ja-JP" altLang="en-US"/>
+          </a:p>
+        </p:txBody>
+      </p:sp>
+      <p:sp>
+        <p:nvSpPr>
+          <p:cNvPr id="114" name="正方形/長方形 113">
+            <a:extLst>
+              <a:ext uri="{FF2B5EF4-FFF2-40B4-BE49-F238E27FC236}">
+                <a16:creationId xmlns:a16="http://schemas.microsoft.com/office/drawing/2014/main" id="{22BA7FDE-48C0-4B88-2C0B-48F3DD314AEF}"/>
+              </a:ext>
+            </a:extLst>
+          </p:cNvPr>
+          <p:cNvSpPr/>
+          <p:nvPr/>
+        </p:nvSpPr>
+        <p:spPr>
+          <a:xfrm>
+            <a:off x="9106284" y="1661843"/>
+            <a:ext cx="1507679" cy="864516"/>
+          </a:xfrm>
+          <a:prstGeom prst="rect">
+            <a:avLst/>
+          </a:prstGeom>
+          <a:solidFill>
+            <a:schemeClr val="bg1">
+              <a:lumMod val="85000"/>
+            </a:schemeClr>
+          </a:solidFill>
+          <a:ln>
+            <a:noFill/>
+            <a:prstDash val="dash"/>
+            <a:headEnd type="none"/>
+            <a:tailEnd type="none"/>
+          </a:ln>
+        </p:spPr>
+        <p:style>
+          <a:lnRef idx="1">
+            <a:schemeClr val="accent1"/>
+          </a:lnRef>
+          <a:fillRef idx="0">
+            <a:schemeClr val="accent1"/>
+          </a:fillRef>
+          <a:effectRef idx="0">
+            <a:schemeClr val="accent1"/>
+          </a:effectRef>
+          <a:fontRef idx="minor">
+            <a:schemeClr val="tx1"/>
+          </a:fontRef>
+        </p:style>
+        <p:txBody>
+          <a:bodyPr rtlCol="0" anchor="ctr"/>
+          <a:lstStyle/>
+          <a:p>
+            <a:pPr algn="ctr"/>
+            <a:endParaRPr kumimoji="1" lang="ja-JP" altLang="en-US" sz="2400"/>
+          </a:p>
+        </p:txBody>
+      </p:sp>
+      <p:sp>
+        <p:nvSpPr>
+          <p:cNvPr id="115" name="テキスト ボックス 114">
+            <a:extLst>
+              <a:ext uri="{FF2B5EF4-FFF2-40B4-BE49-F238E27FC236}">
+                <a16:creationId xmlns:a16="http://schemas.microsoft.com/office/drawing/2014/main" id="{1C45EECB-469D-8767-A554-42BA61B1289F}"/>
+              </a:ext>
+            </a:extLst>
+          </p:cNvPr>
+          <p:cNvSpPr txBox="1"/>
+          <p:nvPr/>
+        </p:nvSpPr>
+        <p:spPr>
+          <a:xfrm>
+            <a:off x="9181377" y="1341824"/>
+            <a:ext cx="1107996" cy="369332"/>
+          </a:xfrm>
+          <a:prstGeom prst="rect">
+            <a:avLst/>
+          </a:prstGeom>
+          <a:noFill/>
+        </p:spPr>
+        <p:txBody>
+          <a:bodyPr wrap="none" rtlCol="0">
+            <a:spAutoFit/>
+          </a:bodyPr>
+          <a:lstStyle/>
+          <a:p>
+            <a:r>
+              <a:rPr kumimoji="1" lang="en-US" altLang="ja-JP"/>
+              <a:t>Federate</a:t>
+            </a:r>
+            <a:endParaRPr kumimoji="1" lang="ja-JP" altLang="en-US"/>
+          </a:p>
+        </p:txBody>
+      </p:sp>
+      <p:sp>
+        <p:nvSpPr>
+          <p:cNvPr id="102" name="円/楕円 101">
+            <a:extLst>
+              <a:ext uri="{FF2B5EF4-FFF2-40B4-BE49-F238E27FC236}">
+                <a16:creationId xmlns:a16="http://schemas.microsoft.com/office/drawing/2014/main" id="{EF1944CF-494B-B901-81C2-19F0C9493B56}"/>
+              </a:ext>
+            </a:extLst>
+          </p:cNvPr>
+          <p:cNvSpPr/>
+          <p:nvPr/>
+        </p:nvSpPr>
+        <p:spPr>
+          <a:xfrm>
+            <a:off x="9250546" y="1868784"/>
+            <a:ext cx="216000" cy="216000"/>
+          </a:xfrm>
+          <a:prstGeom prst="ellipse">
+            <a:avLst/>
+          </a:prstGeom>
+          <a:solidFill>
+            <a:schemeClr val="bg1"/>
+          </a:solidFill>
+          <a:ln>
+            <a:solidFill>
+              <a:schemeClr val="tx1"/>
+            </a:solidFill>
+          </a:ln>
+        </p:spPr>
+        <p:style>
+          <a:lnRef idx="1">
+            <a:schemeClr val="accent1"/>
+          </a:lnRef>
+          <a:fillRef idx="0">
+            <a:schemeClr val="accent1"/>
+          </a:fillRef>
+          <a:effectRef idx="0">
+            <a:schemeClr val="accent1"/>
+          </a:effectRef>
+          <a:fontRef idx="minor">
+            <a:schemeClr val="tx1"/>
+          </a:fontRef>
+        </p:style>
+        <p:txBody>
+          <a:bodyPr rtlCol="0" anchor="ctr"/>
+          <a:lstStyle/>
+          <a:p>
+            <a:pPr algn="ctr"/>
+            <a:endParaRPr kumimoji="1" lang="ja-JP" altLang="en-US" sz="2400"/>
+          </a:p>
+        </p:txBody>
+      </p:sp>
+      <p:sp>
+        <p:nvSpPr>
+          <p:cNvPr id="103" name="円/楕円 102">
+            <a:extLst>
+              <a:ext uri="{FF2B5EF4-FFF2-40B4-BE49-F238E27FC236}">
+                <a16:creationId xmlns:a16="http://schemas.microsoft.com/office/drawing/2014/main" id="{A59A7051-37CF-49EB-3AB5-F430183C273C}"/>
+              </a:ext>
+            </a:extLst>
+          </p:cNvPr>
+          <p:cNvSpPr/>
+          <p:nvPr/>
+        </p:nvSpPr>
+        <p:spPr>
+          <a:xfrm>
+            <a:off x="9250546" y="2156840"/>
+            <a:ext cx="216000" cy="216000"/>
+          </a:xfrm>
+          <a:prstGeom prst="ellipse">
+            <a:avLst/>
+          </a:prstGeom>
+          <a:solidFill>
+            <a:schemeClr val="tx1"/>
+          </a:solidFill>
+          <a:ln>
+            <a:solidFill>
+              <a:schemeClr val="tx1"/>
+            </a:solidFill>
+          </a:ln>
+        </p:spPr>
+        <p:style>
+          <a:lnRef idx="1">
+            <a:schemeClr val="accent1"/>
+          </a:lnRef>
+          <a:fillRef idx="0">
+            <a:schemeClr val="accent1"/>
+          </a:fillRef>
+          <a:effectRef idx="0">
+            <a:schemeClr val="accent1"/>
+          </a:effectRef>
+          <a:fontRef idx="minor">
+            <a:schemeClr val="tx1"/>
+          </a:fontRef>
+        </p:style>
+        <p:txBody>
+          <a:bodyPr rtlCol="0" anchor="ctr"/>
+          <a:lstStyle/>
+          <a:p>
+            <a:pPr algn="ctr"/>
+            <a:endParaRPr kumimoji="1" lang="ja-JP" altLang="en-US" sz="2400"/>
+          </a:p>
+        </p:txBody>
+      </p:sp>
+      <p:sp>
+        <p:nvSpPr>
+          <p:cNvPr id="108" name="テキスト ボックス 107">
+            <a:extLst>
+              <a:ext uri="{FF2B5EF4-FFF2-40B4-BE49-F238E27FC236}">
+                <a16:creationId xmlns:a16="http://schemas.microsoft.com/office/drawing/2014/main" id="{E7E9AB70-745B-E4E5-4FCF-7479F25EF8EF}"/>
+              </a:ext>
+            </a:extLst>
+          </p:cNvPr>
+          <p:cNvSpPr txBox="1"/>
+          <p:nvPr/>
+        </p:nvSpPr>
+        <p:spPr>
+          <a:xfrm>
+            <a:off x="9452536" y="1802370"/>
+            <a:ext cx="684803" cy="369332"/>
+          </a:xfrm>
+          <a:prstGeom prst="rect">
+            <a:avLst/>
+          </a:prstGeom>
+          <a:noFill/>
+        </p:spPr>
+        <p:txBody>
+          <a:bodyPr wrap="none" rtlCol="0">
+            <a:spAutoFit/>
+          </a:bodyPr>
+          <a:lstStyle/>
+          <a:p>
+            <a:r>
+              <a:rPr kumimoji="1" lang="en-US" altLang="ja-JP"/>
+              <a:t>Core</a:t>
+            </a:r>
+            <a:endParaRPr kumimoji="1" lang="ja-JP" altLang="en-US"/>
+          </a:p>
+        </p:txBody>
+      </p:sp>
+      <p:sp>
+        <p:nvSpPr>
+          <p:cNvPr id="109" name="テキスト ボックス 108">
+            <a:extLst>
+              <a:ext uri="{FF2B5EF4-FFF2-40B4-BE49-F238E27FC236}">
+                <a16:creationId xmlns:a16="http://schemas.microsoft.com/office/drawing/2014/main" id="{8A8572A3-2E01-78C4-EC39-54A7AAA56B3E}"/>
+              </a:ext>
+            </a:extLst>
+          </p:cNvPr>
+          <p:cNvSpPr txBox="1"/>
+          <p:nvPr/>
+        </p:nvSpPr>
+        <p:spPr>
+          <a:xfrm>
+            <a:off x="9466570" y="2075540"/>
+            <a:ext cx="761747" cy="369332"/>
+          </a:xfrm>
+          <a:prstGeom prst="rect">
+            <a:avLst/>
+          </a:prstGeom>
+          <a:noFill/>
+        </p:spPr>
+        <p:txBody>
+          <a:bodyPr wrap="none" rtlCol="0">
+            <a:spAutoFit/>
+          </a:bodyPr>
+          <a:lstStyle/>
+          <a:p>
+            <a:r>
+              <a:rPr kumimoji="1" lang="en-US" altLang="ja-JP"/>
+              <a:t>Asset</a:t>
+            </a:r>
+            <a:endParaRPr kumimoji="1" lang="ja-JP" altLang="en-US"/>
+          </a:p>
+        </p:txBody>
+      </p:sp>
+      <p:sp>
+        <p:nvSpPr>
+          <p:cNvPr id="129" name="正方形/長方形 128">
+            <a:extLst>
+              <a:ext uri="{FF2B5EF4-FFF2-40B4-BE49-F238E27FC236}">
+                <a16:creationId xmlns:a16="http://schemas.microsoft.com/office/drawing/2014/main" id="{94EED8FF-61E1-55D7-4DDE-6D174C20E694}"/>
+              </a:ext>
+            </a:extLst>
+          </p:cNvPr>
+          <p:cNvSpPr/>
+          <p:nvPr/>
+        </p:nvSpPr>
+        <p:spPr>
+          <a:xfrm>
+            <a:off x="3475193" y="4368524"/>
+            <a:ext cx="2462324" cy="864516"/>
+          </a:xfrm>
+          <a:prstGeom prst="rect">
+            <a:avLst/>
+          </a:prstGeom>
+          <a:solidFill>
+            <a:schemeClr val="bg1">
+              <a:lumMod val="85000"/>
+            </a:schemeClr>
+          </a:solidFill>
+          <a:ln>
+            <a:noFill/>
+            <a:prstDash val="dash"/>
+            <a:headEnd type="none"/>
+            <a:tailEnd type="none"/>
+          </a:ln>
+        </p:spPr>
+        <p:style>
+          <a:lnRef idx="1">
+            <a:schemeClr val="accent1"/>
+          </a:lnRef>
+          <a:fillRef idx="0">
+            <a:schemeClr val="accent1"/>
+          </a:fillRef>
+          <a:effectRef idx="0">
+            <a:schemeClr val="accent1"/>
+          </a:effectRef>
+          <a:fontRef idx="minor">
+            <a:schemeClr val="tx1"/>
+          </a:fontRef>
+        </p:style>
+        <p:txBody>
+          <a:bodyPr rtlCol="0" anchor="ctr"/>
+          <a:lstStyle/>
+          <a:p>
+            <a:pPr algn="ctr"/>
+            <a:endParaRPr kumimoji="1" lang="ja-JP" altLang="en-US" sz="2400"/>
+          </a:p>
+        </p:txBody>
+      </p:sp>
+      <p:sp>
+        <p:nvSpPr>
+          <p:cNvPr id="130" name="円/楕円 129">
+            <a:extLst>
+              <a:ext uri="{FF2B5EF4-FFF2-40B4-BE49-F238E27FC236}">
+                <a16:creationId xmlns:a16="http://schemas.microsoft.com/office/drawing/2014/main" id="{72F6DF6D-94D5-7EBF-6BDA-E3AAA507E76F}"/>
+              </a:ext>
+            </a:extLst>
+          </p:cNvPr>
+          <p:cNvSpPr/>
+          <p:nvPr/>
+        </p:nvSpPr>
+        <p:spPr>
+          <a:xfrm>
+            <a:off x="3649924" y="4828985"/>
+            <a:ext cx="216000" cy="216000"/>
+          </a:xfrm>
+          <a:prstGeom prst="ellipse">
+            <a:avLst/>
+          </a:prstGeom>
+          <a:solidFill>
+            <a:schemeClr val="tx1"/>
+          </a:solidFill>
+          <a:ln>
+            <a:solidFill>
+              <a:schemeClr val="tx1"/>
+            </a:solidFill>
+          </a:ln>
+        </p:spPr>
+        <p:style>
+          <a:lnRef idx="1">
+            <a:schemeClr val="accent1"/>
+          </a:lnRef>
+          <a:fillRef idx="0">
+            <a:schemeClr val="accent1"/>
+          </a:fillRef>
+          <a:effectRef idx="0">
+            <a:schemeClr val="accent1"/>
+          </a:effectRef>
+          <a:fontRef idx="minor">
+            <a:schemeClr val="tx1"/>
+          </a:fontRef>
+        </p:style>
+        <p:txBody>
+          <a:bodyPr rtlCol="0" anchor="ctr"/>
+          <a:lstStyle/>
+          <a:p>
+            <a:pPr algn="ctr"/>
+            <a:endParaRPr kumimoji="1" lang="ja-JP" altLang="en-US" sz="2400"/>
+          </a:p>
+        </p:txBody>
+      </p:sp>
+      <p:sp>
+        <p:nvSpPr>
+          <p:cNvPr id="131" name="円/楕円 130">
+            <a:extLst>
+              <a:ext uri="{FF2B5EF4-FFF2-40B4-BE49-F238E27FC236}">
+                <a16:creationId xmlns:a16="http://schemas.microsoft.com/office/drawing/2014/main" id="{ABAC5103-F6F0-8539-4D7E-55F381B28B68}"/>
+              </a:ext>
+            </a:extLst>
+          </p:cNvPr>
+          <p:cNvSpPr/>
+          <p:nvPr/>
+        </p:nvSpPr>
+        <p:spPr>
+          <a:xfrm>
+            <a:off x="5090108" y="4468944"/>
+            <a:ext cx="216000" cy="216000"/>
+          </a:xfrm>
+          <a:prstGeom prst="ellipse">
+            <a:avLst/>
+          </a:prstGeom>
+          <a:solidFill>
+            <a:schemeClr val="bg1"/>
+          </a:solidFill>
+          <a:ln>
+            <a:solidFill>
+              <a:schemeClr val="tx1"/>
+            </a:solidFill>
+          </a:ln>
+        </p:spPr>
+        <p:style>
+          <a:lnRef idx="1">
+            <a:schemeClr val="accent1"/>
+          </a:lnRef>
+          <a:fillRef idx="0">
+            <a:schemeClr val="accent1"/>
+          </a:fillRef>
+          <a:effectRef idx="0">
+            <a:schemeClr val="accent1"/>
+          </a:effectRef>
+          <a:fontRef idx="minor">
+            <a:schemeClr val="tx1"/>
+          </a:fontRef>
+        </p:style>
+        <p:txBody>
+          <a:bodyPr rtlCol="0" anchor="ctr"/>
+          <a:lstStyle/>
+          <a:p>
+            <a:pPr algn="ctr"/>
+            <a:endParaRPr kumimoji="1" lang="ja-JP" altLang="en-US" sz="2400"/>
+          </a:p>
+        </p:txBody>
+      </p:sp>
+      <p:sp>
+        <p:nvSpPr>
+          <p:cNvPr id="132" name="テキスト ボックス 131">
+            <a:extLst>
+              <a:ext uri="{FF2B5EF4-FFF2-40B4-BE49-F238E27FC236}">
+                <a16:creationId xmlns:a16="http://schemas.microsoft.com/office/drawing/2014/main" id="{06499418-EBEC-9EA3-C731-1B892DBF0868}"/>
+              </a:ext>
+            </a:extLst>
+          </p:cNvPr>
+          <p:cNvSpPr txBox="1"/>
+          <p:nvPr/>
+        </p:nvSpPr>
+        <p:spPr>
+          <a:xfrm>
+            <a:off x="5241838" y="4312237"/>
+            <a:ext cx="499195" cy="529414"/>
+          </a:xfrm>
+          <a:prstGeom prst="rect">
+            <a:avLst/>
+          </a:prstGeom>
+          <a:noFill/>
+        </p:spPr>
+        <p:txBody>
+          <a:bodyPr wrap="none" rtlCol="0">
+            <a:spAutoFit/>
+          </a:bodyPr>
+          <a:lstStyle/>
+          <a:p>
+            <a:r>
+              <a:rPr kumimoji="1" lang="en-US" altLang="ja-JP" sz="2400" b="1" i="1">
+                <a:latin typeface="Times New Roman" panose="02020603050405020304" pitchFamily="18" charset="0"/>
+                <a:cs typeface="Times New Roman" panose="02020603050405020304" pitchFamily="18" charset="0"/>
+              </a:rPr>
+              <a:t>T</a:t>
+            </a:r>
+            <a:r>
+              <a:rPr kumimoji="1" lang="en-US" altLang="ja-JP" sz="2400" b="1" i="1" baseline="-25000">
+                <a:latin typeface="Times New Roman" panose="02020603050405020304" pitchFamily="18" charset="0"/>
+                <a:cs typeface="Times New Roman" panose="02020603050405020304" pitchFamily="18" charset="0"/>
+              </a:rPr>
+              <a:t>c</a:t>
+            </a:r>
+            <a:endParaRPr kumimoji="1" lang="ja-JP" altLang="en-US" sz="2400" baseline="-25000">
+              <a:latin typeface="Times New Roman" panose="02020603050405020304" pitchFamily="18" charset="0"/>
+              <a:cs typeface="Times New Roman" panose="02020603050405020304" pitchFamily="18" charset="0"/>
+            </a:endParaRPr>
+          </a:p>
+        </p:txBody>
+      </p:sp>
+      <p:sp>
+        <p:nvSpPr>
+          <p:cNvPr id="133" name="テキスト ボックス 132">
+            <a:extLst>
+              <a:ext uri="{FF2B5EF4-FFF2-40B4-BE49-F238E27FC236}">
+                <a16:creationId xmlns:a16="http://schemas.microsoft.com/office/drawing/2014/main" id="{4BA1645F-5CF1-6D60-0D57-53426F15B813}"/>
+              </a:ext>
+            </a:extLst>
+          </p:cNvPr>
+          <p:cNvSpPr txBox="1"/>
+          <p:nvPr/>
+        </p:nvSpPr>
+        <p:spPr>
+          <a:xfrm>
+            <a:off x="4735535" y="4694285"/>
+            <a:ext cx="418513" cy="461665"/>
+          </a:xfrm>
+          <a:prstGeom prst="rect">
+            <a:avLst/>
+          </a:prstGeom>
+          <a:noFill/>
+        </p:spPr>
+        <p:txBody>
+          <a:bodyPr wrap="none" rtlCol="0">
+            <a:spAutoFit/>
+          </a:bodyPr>
+          <a:lstStyle/>
+          <a:p>
+            <a:r>
+              <a:rPr kumimoji="1" lang="en-US" altLang="ja-JP" sz="2400" b="1" i="1">
+                <a:latin typeface="Times New Roman" panose="02020603050405020304" pitchFamily="18" charset="0"/>
+                <a:cs typeface="Times New Roman" panose="02020603050405020304" pitchFamily="18" charset="0"/>
+              </a:rPr>
+              <a:t>T</a:t>
+            </a:r>
+            <a:r>
+              <a:rPr lang="en-US" altLang="ja-JP" sz="2400" b="1" i="1" baseline="-25000">
+                <a:latin typeface="Times New Roman" panose="02020603050405020304" pitchFamily="18" charset="0"/>
+                <a:cs typeface="Times New Roman" panose="02020603050405020304" pitchFamily="18" charset="0"/>
+              </a:rPr>
+              <a:t>i</a:t>
+            </a:r>
+            <a:endParaRPr kumimoji="1" lang="ja-JP" altLang="en-US" sz="2400" baseline="-25000">
+              <a:latin typeface="Times New Roman" panose="02020603050405020304" pitchFamily="18" charset="0"/>
+              <a:cs typeface="Times New Roman" panose="02020603050405020304" pitchFamily="18" charset="0"/>
+            </a:endParaRPr>
+          </a:p>
+        </p:txBody>
+      </p:sp>
+      <p:sp>
+        <p:nvSpPr>
+          <p:cNvPr id="134" name="円/楕円 133">
+            <a:extLst>
+              <a:ext uri="{FF2B5EF4-FFF2-40B4-BE49-F238E27FC236}">
+                <a16:creationId xmlns:a16="http://schemas.microsoft.com/office/drawing/2014/main" id="{5700C420-B115-6A74-2CF8-0BB4C945E549}"/>
+              </a:ext>
+            </a:extLst>
+          </p:cNvPr>
+          <p:cNvSpPr/>
+          <p:nvPr/>
+        </p:nvSpPr>
+        <p:spPr>
+          <a:xfrm>
+            <a:off x="3937980" y="4828960"/>
+            <a:ext cx="216000" cy="216000"/>
+          </a:xfrm>
+          <a:prstGeom prst="ellipse">
+            <a:avLst/>
+          </a:prstGeom>
+          <a:solidFill>
+            <a:schemeClr val="tx1"/>
+          </a:solidFill>
+          <a:ln>
+            <a:solidFill>
+              <a:schemeClr val="tx1"/>
+            </a:solidFill>
+          </a:ln>
+        </p:spPr>
+        <p:style>
+          <a:lnRef idx="1">
+            <a:schemeClr val="accent1"/>
+          </a:lnRef>
+          <a:fillRef idx="0">
+            <a:schemeClr val="accent1"/>
+          </a:fillRef>
+          <a:effectRef idx="0">
+            <a:schemeClr val="accent1"/>
+          </a:effectRef>
+          <a:fontRef idx="minor">
+            <a:schemeClr val="tx1"/>
+          </a:fontRef>
+        </p:style>
+        <p:txBody>
+          <a:bodyPr rtlCol="0" anchor="ctr"/>
+          <a:lstStyle/>
+          <a:p>
+            <a:pPr algn="ctr"/>
+            <a:endParaRPr kumimoji="1" lang="ja-JP" altLang="en-US" sz="2400"/>
+          </a:p>
+        </p:txBody>
+      </p:sp>
+      <p:sp>
+        <p:nvSpPr>
+          <p:cNvPr id="135" name="円/楕円 134">
+            <a:extLst>
+              <a:ext uri="{FF2B5EF4-FFF2-40B4-BE49-F238E27FC236}">
+                <a16:creationId xmlns:a16="http://schemas.microsoft.com/office/drawing/2014/main" id="{246C4285-3342-897A-E5B5-F2A20DB47413}"/>
+              </a:ext>
+            </a:extLst>
+          </p:cNvPr>
+          <p:cNvSpPr/>
+          <p:nvPr/>
+        </p:nvSpPr>
+        <p:spPr>
+          <a:xfrm>
+            <a:off x="4226036" y="4828935"/>
+            <a:ext cx="216000" cy="216000"/>
+          </a:xfrm>
+          <a:prstGeom prst="ellipse">
+            <a:avLst/>
+          </a:prstGeom>
+          <a:solidFill>
+            <a:schemeClr val="tx1"/>
+          </a:solidFill>
+          <a:ln>
+            <a:solidFill>
+              <a:schemeClr val="tx1"/>
+            </a:solidFill>
+          </a:ln>
+        </p:spPr>
+        <p:style>
+          <a:lnRef idx="1">
+            <a:schemeClr val="accent1"/>
+          </a:lnRef>
+          <a:fillRef idx="0">
+            <a:schemeClr val="accent1"/>
+          </a:fillRef>
+          <a:effectRef idx="0">
+            <a:schemeClr val="accent1"/>
+          </a:effectRef>
+          <a:fontRef idx="minor">
+            <a:schemeClr val="tx1"/>
+          </a:fontRef>
+        </p:style>
+        <p:txBody>
+          <a:bodyPr rtlCol="0" anchor="ctr"/>
+          <a:lstStyle/>
+          <a:p>
+            <a:pPr algn="ctr"/>
+            <a:endParaRPr kumimoji="1" lang="ja-JP" altLang="en-US" sz="2400"/>
+          </a:p>
+        </p:txBody>
+      </p:sp>
+      <p:sp>
+        <p:nvSpPr>
+          <p:cNvPr id="136" name="テキスト ボックス 135">
+            <a:extLst>
+              <a:ext uri="{FF2B5EF4-FFF2-40B4-BE49-F238E27FC236}">
+                <a16:creationId xmlns:a16="http://schemas.microsoft.com/office/drawing/2014/main" id="{6DCD4F55-4CFE-CDC0-8C94-7A5D9383164A}"/>
+              </a:ext>
+            </a:extLst>
+          </p:cNvPr>
+          <p:cNvSpPr txBox="1"/>
+          <p:nvPr/>
+        </p:nvSpPr>
+        <p:spPr>
+          <a:xfrm>
+            <a:off x="4463004" y="4746142"/>
+            <a:ext cx="377026" cy="369332"/>
+          </a:xfrm>
+          <a:prstGeom prst="rect">
+            <a:avLst/>
+          </a:prstGeom>
+          <a:noFill/>
+        </p:spPr>
+        <p:txBody>
+          <a:bodyPr wrap="none" rtlCol="0">
+            <a:spAutoFit/>
+          </a:bodyPr>
+          <a:lstStyle/>
+          <a:p>
+            <a:r>
+              <a:rPr kumimoji="1" lang="en-US" altLang="ja-JP"/>
+              <a:t>...</a:t>
+            </a:r>
+            <a:endParaRPr kumimoji="1" lang="ja-JP" altLang="en-US"/>
+          </a:p>
+        </p:txBody>
+      </p:sp>
+      <p:cxnSp>
+        <p:nvCxnSpPr>
+          <p:cNvPr id="78" name="直線矢印コネクタ 77">
+            <a:extLst>
+              <a:ext uri="{FF2B5EF4-FFF2-40B4-BE49-F238E27FC236}">
+                <a16:creationId xmlns:a16="http://schemas.microsoft.com/office/drawing/2014/main" id="{7BD89B14-19D8-67B7-46D8-5ADCCE12EE39}"/>
+              </a:ext>
+            </a:extLst>
+          </p:cNvPr>
+          <p:cNvCxnSpPr>
+            <a:cxnSpLocks/>
+            <a:stCxn id="31" idx="2"/>
+            <a:endCxn id="129" idx="0"/>
+          </p:cNvCxnSpPr>
+          <p:nvPr/>
+        </p:nvCxnSpPr>
+        <p:spPr>
+          <a:xfrm>
+            <a:off x="3325273" y="3889831"/>
+            <a:ext cx="1381082" cy="478693"/>
+          </a:xfrm>
+          <a:prstGeom prst="straightConnector1">
+            <a:avLst/>
+          </a:prstGeom>
+          <a:ln w="38100">
+            <a:solidFill>
+              <a:schemeClr val="bg1">
+                <a:lumMod val="75000"/>
+              </a:schemeClr>
+            </a:solidFill>
+            <a:headEnd type="oval"/>
+            <a:tailEnd type="oval"/>
+          </a:ln>
+        </p:spPr>
+        <p:style>
+          <a:lnRef idx="1">
+            <a:schemeClr val="accent1"/>
+          </a:lnRef>
+          <a:fillRef idx="0">
+            <a:schemeClr val="accent1"/>
+          </a:fillRef>
+          <a:effectRef idx="0">
+            <a:schemeClr val="accent1"/>
+          </a:effectRef>
+          <a:fontRef idx="minor">
+            <a:schemeClr val="tx1"/>
+          </a:fontRef>
+        </p:style>
+      </p:cxnSp>
     </p:spTree>
     <p:extLst>
       <p:ext uri="{BB962C8B-B14F-4D97-AF65-F5344CB8AC3E}">
@@ -11955,7 +14963,7 @@
 </p:sld>
 </file>
 
-<file path=ppt/slides/slide13.xml><?xml version="1.0" encoding="utf-8"?>
+<file path=ppt/slides/slide14.xml><?xml version="1.0" encoding="utf-8"?>
 <p:sld xmlns:a="http://schemas.openxmlformats.org/drawingml/2006/main" xmlns:r="http://schemas.openxmlformats.org/officeDocument/2006/relationships" xmlns:p="http://schemas.openxmlformats.org/presentationml/2006/main">
   <p:cSld>
     <p:spTree>
@@ -12043,7 +15051,7 @@
               <a:pPr algn="r">
                 <a:defRPr/>
               </a:pPr>
-              <a:t>13</a:t>
+              <a:t>14</a:t>
             </a:fld>
             <a:endParaRPr lang="ja-JP" altLang="en-US" sz="2800" dirty="0">
               <a:latin typeface="Meiryo UI" panose="020B0604030504040204" pitchFamily="34" charset="-128"/>
@@ -13136,7 +16144,7 @@
 </p:sld>
 </file>
 
-<file path=ppt/slides/slide14.xml><?xml version="1.0" encoding="utf-8"?>
+<file path=ppt/slides/slide15.xml><?xml version="1.0" encoding="utf-8"?>
 <p:sld xmlns:a="http://schemas.openxmlformats.org/drawingml/2006/main" xmlns:r="http://schemas.openxmlformats.org/officeDocument/2006/relationships" xmlns:p="http://schemas.openxmlformats.org/presentationml/2006/main">
   <p:cSld>
     <p:spTree>
@@ -13226,7 +16234,7 @@
               <a:pPr algn="r">
                 <a:defRPr/>
               </a:pPr>
-              <a:t>14</a:t>
+              <a:t>15</a:t>
             </a:fld>
             <a:endParaRPr lang="ja-JP" altLang="en-US" sz="2800" dirty="0">
               <a:latin typeface="Meiryo UI" panose="020B0604030504040204" pitchFamily="34" charset="-128"/>
@@ -13374,7 +16382,7 @@
 </p:sld>
 </file>
 
-<file path=ppt/slides/slide15.xml><?xml version="1.0" encoding="utf-8"?>
+<file path=ppt/slides/slide16.xml><?xml version="1.0" encoding="utf-8"?>
 <p:sld xmlns:a="http://schemas.openxmlformats.org/drawingml/2006/main" xmlns:r="http://schemas.openxmlformats.org/officeDocument/2006/relationships" xmlns:p="http://schemas.openxmlformats.org/presentationml/2006/main">
   <p:cSld>
     <p:spTree>
@@ -13459,7 +16467,7 @@
               <a:pPr algn="r">
                 <a:defRPr/>
               </a:pPr>
-              <a:t>15</a:t>
+              <a:t>16</a:t>
             </a:fld>
             <a:endParaRPr lang="ja-JP" altLang="en-US" sz="2800" dirty="0">
               <a:latin typeface="Meiryo UI" panose="020B0604030504040204" pitchFamily="34" charset="-128"/>
